--- a/Lecture.pptx
+++ b/Lecture.pptx
@@ -4671,8 +4671,8 @@
           </a:p>
         </p:txBody>
       </p:sp>
-      <mc:AlternateContent xmlns:mc="http://schemas.openxmlformats.org/markup-compatibility/2006" xmlns:a14="http://schemas.microsoft.com/office/drawing/2010/main">
-        <mc:Choice Requires="a14">
+      <mc:AlternateContent xmlns:mc="http://schemas.openxmlformats.org/markup-compatibility/2006">
+        <mc:Choice xmlns:a14="http://schemas.microsoft.com/office/drawing/2010/main" Requires="a14">
           <p:sp>
             <p:nvSpPr>
               <p:cNvPr id="3" name="Inhaltsplatzhalter 2">
@@ -4783,10 +4783,10 @@
                         </m:sub>
                         <m:sup>
                           <m:r>
-                            <a:rPr lang="en-US" b="0" i="1" smtClean="0">
+                            <a:rPr lang="de-DE" b="0" i="1" smtClean="0">
                               <a:latin typeface="Cambria Math" panose="02040503050406030204" pitchFamily="18" charset="0"/>
                             </a:rPr>
-                            <m:t>𝑁</m:t>
+                            <m:t>𝑝</m:t>
                           </m:r>
                         </m:sup>
                         <m:e>
@@ -5035,10 +5035,10 @@
                         </m:sub>
                         <m:sup>
                           <m:r>
-                            <a:rPr lang="en-US" b="0" i="1" smtClean="0">
+                            <a:rPr lang="de-DE" b="0" i="1" smtClean="0">
                               <a:latin typeface="Cambria Math" panose="02040503050406030204" pitchFamily="18" charset="0"/>
                             </a:rPr>
-                            <m:t>𝑁</m:t>
+                            <m:t>𝑝</m:t>
                           </m:r>
                         </m:sup>
                         <m:e>
@@ -5270,6 +5270,67 @@
                     </m:sSub>
                   </m:oMath>
                 </a14:m>
+                <a:r>
+                  <a:rPr lang="de-DE" dirty="0"/>
+                  <a:t>, </a:t>
+                </a:r>
+                <a:r>
+                  <a:rPr lang="de-DE" dirty="0" err="1"/>
+                  <a:t>with</a:t>
+                </a:r>
+                <a:r>
+                  <a:rPr lang="de-DE" dirty="0"/>
+                  <a:t> </a:t>
+                </a:r>
+                <a:r>
+                  <a:rPr lang="de-DE" dirty="0" err="1"/>
+                  <a:t>eigenstate</a:t>
+                </a:r>
+                <a:r>
+                  <a:rPr lang="de-DE" dirty="0"/>
+                  <a:t> </a:t>
+                </a:r>
+                <a14:m>
+                  <m:oMath xmlns:m="http://schemas.openxmlformats.org/officeDocument/2006/math">
+                    <m:r>
+                      <a:rPr lang="de-DE" b="0" i="1" smtClean="0">
+                        <a:latin typeface="Cambria Math" panose="02040503050406030204" pitchFamily="18" charset="0"/>
+                      </a:rPr>
+                      <m:t>|</m:t>
+                    </m:r>
+                    <m:sSub>
+                      <m:sSubPr>
+                        <m:ctrlPr>
+                          <a:rPr lang="de-DE" b="0" i="1" smtClean="0">
+                            <a:latin typeface="Cambria Math" panose="02040503050406030204" pitchFamily="18" charset="0"/>
+                          </a:rPr>
+                        </m:ctrlPr>
+                      </m:sSubPr>
+                      <m:e>
+                        <m:r>
+                          <a:rPr lang="de-DE" b="0" i="1" smtClean="0">
+                            <a:latin typeface="Cambria Math" panose="02040503050406030204" pitchFamily="18" charset="0"/>
+                          </a:rPr>
+                          <m:t>𝜓</m:t>
+                        </m:r>
+                      </m:e>
+                      <m:sub>
+                        <m:r>
+                          <a:rPr lang="de-DE" b="0" i="1" smtClean="0">
+                            <a:latin typeface="Cambria Math" panose="02040503050406030204" pitchFamily="18" charset="0"/>
+                          </a:rPr>
+                          <m:t>0</m:t>
+                        </m:r>
+                      </m:sub>
+                    </m:sSub>
+                    <m:r>
+                      <a:rPr lang="de-DE" b="0" i="1" smtClean="0">
+                        <a:latin typeface="Cambria Math" panose="02040503050406030204" pitchFamily="18" charset="0"/>
+                      </a:rPr>
+                      <m:t>⟩</m:t>
+                    </m:r>
+                  </m:oMath>
+                </a14:m>
                 <a:endParaRPr lang="de-DE" dirty="0"/>
               </a:p>
               <a:p>
@@ -5284,7 +5345,7 @@
             </p:txBody>
           </p:sp>
         </mc:Choice>
-        <mc:Fallback xmlns="">
+        <mc:Fallback>
           <p:sp>
             <p:nvSpPr>
               <p:cNvPr id="3" name="Inhaltsplatzhalter 2">
@@ -5305,7 +5366,7 @@
               <a:blipFill>
                 <a:blip r:embed="rId2"/>
                 <a:stretch>
-                  <a:fillRect l="-938" t="-7383"/>
+                  <a:fillRect l="-938" t="-6879"/>
                 </a:stretch>
               </a:blipFill>
             </p:spPr>
@@ -5348,13 +5409,47 @@
           <a:lstStyle/>
           <a:p>
             <a:r>
+              <a:rPr lang="en-US" dirty="0" err="1"/>
+              <a:t>Jupyter</a:t>
+            </a:r>
+            <a:r>
               <a:rPr lang="en-US" dirty="0"/>
-              <a:t>Hamiltonian with I-ZZ from notebook</a:t>
+              <a:t> notebook (Part 2)</a:t>
             </a:r>
             <a:endParaRPr lang="de-DE" dirty="0"/>
           </a:p>
         </p:txBody>
       </p:sp>
+      <p:pic>
+        <p:nvPicPr>
+          <p:cNvPr id="6" name="Grafik 5">
+            <a:extLst>
+              <a:ext uri="{FF2B5EF4-FFF2-40B4-BE49-F238E27FC236}">
+                <a16:creationId xmlns:a16="http://schemas.microsoft.com/office/drawing/2014/main" id="{7F5E4858-3FA1-48BD-A3DD-1B636F149D7A}"/>
+              </a:ext>
+            </a:extLst>
+          </p:cNvPr>
+          <p:cNvPicPr>
+            <a:picLocks noChangeAspect="1"/>
+          </p:cNvPicPr>
+          <p:nvPr/>
+        </p:nvPicPr>
+        <p:blipFill>
+          <a:blip r:embed="rId3"/>
+          <a:stretch>
+            <a:fillRect/>
+          </a:stretch>
+        </p:blipFill>
+        <p:spPr>
+          <a:xfrm>
+            <a:off x="6875211" y="2009577"/>
+            <a:ext cx="3810532" cy="1419423"/>
+          </a:xfrm>
+          <a:prstGeom prst="rect">
+            <a:avLst/>
+          </a:prstGeom>
+        </p:spPr>
+      </p:pic>
     </p:spTree>
     <p:extLst>
       <p:ext uri="{BB962C8B-B14F-4D97-AF65-F5344CB8AC3E}">
@@ -5649,6 +5744,82 @@
                       </p:childTnLst>
                     </p:cTn>
                   </p:par>
+                  <p:par>
+                    <p:cTn id="25" fill="hold">
+                      <p:stCondLst>
+                        <p:cond delay="indefinite"/>
+                      </p:stCondLst>
+                      <p:childTnLst>
+                        <p:par>
+                          <p:cTn id="26" fill="hold">
+                            <p:stCondLst>
+                              <p:cond delay="0"/>
+                            </p:stCondLst>
+                            <p:childTnLst>
+                              <p:par>
+                                <p:cTn id="27" presetID="1" presetClass="entr" presetSubtype="0" fill="hold" grpId="0" nodeType="clickEffect">
+                                  <p:stCondLst>
+                                    <p:cond delay="0"/>
+                                  </p:stCondLst>
+                                  <p:childTnLst>
+                                    <p:set>
+                                      <p:cBhvr>
+                                        <p:cTn id="28" dur="1" fill="hold">
+                                          <p:stCondLst>
+                                            <p:cond delay="0"/>
+                                          </p:stCondLst>
+                                        </p:cTn>
+                                        <p:tgtEl>
+                                          <p:spTgt spid="4">
+                                            <p:txEl>
+                                              <p:pRg st="0" end="0"/>
+                                            </p:txEl>
+                                          </p:spTgt>
+                                        </p:tgtEl>
+                                        <p:attrNameLst>
+                                          <p:attrName>style.visibility</p:attrName>
+                                        </p:attrNameLst>
+                                      </p:cBhvr>
+                                      <p:to>
+                                        <p:strVal val="visible"/>
+                                      </p:to>
+                                    </p:set>
+                                  </p:childTnLst>
+                                </p:cTn>
+                              </p:par>
+                              <p:par>
+                                <p:cTn id="29" presetID="1" presetClass="entr" presetSubtype="0" fill="hold" nodeType="withEffect">
+                                  <p:stCondLst>
+                                    <p:cond delay="0"/>
+                                  </p:stCondLst>
+                                  <p:childTnLst>
+                                    <p:set>
+                                      <p:cBhvr>
+                                        <p:cTn id="30" dur="1" fill="hold">
+                                          <p:stCondLst>
+                                            <p:cond delay="0"/>
+                                          </p:stCondLst>
+                                        </p:cTn>
+                                        <p:tgtEl>
+                                          <p:spTgt spid="6"/>
+                                        </p:tgtEl>
+                                        <p:attrNameLst>
+                                          <p:attrName>style.visibility</p:attrName>
+                                        </p:attrNameLst>
+                                      </p:cBhvr>
+                                      <p:to>
+                                        <p:strVal val="visible"/>
+                                      </p:to>
+                                    </p:set>
+                                  </p:childTnLst>
+                                </p:cTn>
+                              </p:par>
+                            </p:childTnLst>
+                          </p:cTn>
+                        </p:par>
+                      </p:childTnLst>
+                    </p:cTn>
+                  </p:par>
                 </p:childTnLst>
               </p:cTn>
               <p:prevCondLst>
@@ -5672,6 +5843,7 @@
     </p:tnLst>
     <p:bldLst>
       <p:bldP spid="3" grpId="0" build="p"/>
+      <p:bldP spid="4" grpId="0" build="p"/>
     </p:bldLst>
   </p:timing>
 </p:sld>
@@ -5821,8 +5993,8 @@
           </a:p>
         </p:txBody>
       </p:sp>
-      <mc:AlternateContent xmlns:mc="http://schemas.openxmlformats.org/markup-compatibility/2006" xmlns:a14="http://schemas.microsoft.com/office/drawing/2010/main">
-        <mc:Choice Requires="a14">
+      <mc:AlternateContent xmlns:mc="http://schemas.openxmlformats.org/markup-compatibility/2006">
+        <mc:Choice xmlns:a14="http://schemas.microsoft.com/office/drawing/2010/main" Requires="a14">
           <p:sp>
             <p:nvSpPr>
               <p:cNvPr id="3" name="Inhaltsplatzhalter 2">
@@ -5981,7 +6153,7 @@
                                 <a:rPr lang="de-DE" b="0" i="1" smtClean="0">
                                   <a:latin typeface="Cambria Math" panose="02040503050406030204" pitchFamily="18" charset="0"/>
                                 </a:rPr>
-                                <m:t>𝑁</m:t>
+                                <m:t>𝑝</m:t>
                               </m:r>
                             </m:num>
                             <m:den>
@@ -6065,7 +6237,7 @@
                             <a:rPr lang="de-DE" b="0" i="1" smtClean="0">
                               <a:latin typeface="Cambria Math" panose="02040503050406030204" pitchFamily="18" charset="0"/>
                             </a:rPr>
-                            <m:t>𝑁</m:t>
+                            <m:t>𝑝</m:t>
                           </m:r>
                         </m:sup>
                       </m:sSup>
@@ -6223,7 +6395,7 @@
                             <a:rPr lang="de-DE" b="0" i="1" smtClean="0">
                               <a:latin typeface="Cambria Math" panose="02040503050406030204" pitchFamily="18" charset="0"/>
                             </a:rPr>
-                            <m:t>𝑁</m:t>
+                            <m:t>𝑝</m:t>
                           </m:r>
                         </m:sup>
                         <m:e>
@@ -6629,7 +6801,7 @@
             </p:txBody>
           </p:sp>
         </mc:Choice>
-        <mc:Fallback xmlns="">
+        <mc:Fallback>
           <p:sp>
             <p:nvSpPr>
               <p:cNvPr id="3" name="Inhaltsplatzhalter 2">
@@ -7062,7 +7234,7 @@
         <p:spPr>
           <a:xfrm>
             <a:off x="10444934" y="410062"/>
-            <a:ext cx="617477" cy="707886"/>
+            <a:ext cx="484428" cy="707886"/>
           </a:xfrm>
           <a:prstGeom prst="rect">
             <a:avLst/>
@@ -7077,7 +7249,7 @@
           <a:p>
             <a:r>
               <a:rPr lang="de-DE" sz="4000" b="1" dirty="0"/>
-              <a:t>N</a:t>
+              <a:t>p</a:t>
             </a:r>
           </a:p>
         </p:txBody>
@@ -7293,6 +7465,53 @@
           </a:p>
         </p:txBody>
       </p:sp>
+      <p:sp>
+        <p:nvSpPr>
+          <p:cNvPr id="5" name="Textfeld 4">
+            <a:extLst>
+              <a:ext uri="{FF2B5EF4-FFF2-40B4-BE49-F238E27FC236}">
+                <a16:creationId xmlns:a16="http://schemas.microsoft.com/office/drawing/2014/main" id="{B5D99CAD-4ED6-40A4-9263-ACF0FD643D6A}"/>
+              </a:ext>
+            </a:extLst>
+          </p:cNvPr>
+          <p:cNvSpPr txBox="1"/>
+          <p:nvPr/>
+        </p:nvSpPr>
+        <p:spPr>
+          <a:xfrm>
+            <a:off x="4947129" y="6185269"/>
+            <a:ext cx="2595454" cy="369332"/>
+          </a:xfrm>
+          <a:prstGeom prst="rect">
+            <a:avLst/>
+          </a:prstGeom>
+          <a:noFill/>
+        </p:spPr>
+        <p:txBody>
+          <a:bodyPr wrap="none" rtlCol="0">
+            <a:spAutoFit/>
+          </a:bodyPr>
+          <a:lstStyle/>
+          <a:p>
+            <a:r>
+              <a:rPr lang="de-DE" dirty="0" err="1"/>
+              <a:t>Jupyter</a:t>
+            </a:r>
+            <a:r>
+              <a:rPr lang="de-DE" dirty="0"/>
+              <a:t> </a:t>
+            </a:r>
+            <a:r>
+              <a:rPr lang="de-DE" dirty="0" err="1"/>
+              <a:t>notebook</a:t>
+            </a:r>
+            <a:r>
+              <a:rPr lang="de-DE" dirty="0"/>
+              <a:t> (Part 3)</a:t>
+            </a:r>
+          </a:p>
+        </p:txBody>
+      </p:sp>
     </p:spTree>
     <p:extLst>
       <p:ext uri="{BB962C8B-B14F-4D97-AF65-F5344CB8AC3E}">
@@ -7399,7 +7618,7 @@
                                           </p:stCondLst>
                                         </p:cTn>
                                         <p:tgtEl>
-                                          <p:spTgt spid="18"/>
+                                          <p:spTgt spid="22"/>
                                         </p:tgtEl>
                                         <p:attrNameLst>
                                           <p:attrName>style.visibility</p:attrName>
@@ -7426,7 +7645,7 @@
                                           </p:stCondLst>
                                         </p:cTn>
                                         <p:tgtEl>
-                                          <p:spTgt spid="20"/>
+                                          <p:spTgt spid="21"/>
                                         </p:tgtEl>
                                         <p:attrNameLst>
                                           <p:attrName>style.visibility</p:attrName>
@@ -7453,7 +7672,7 @@
                                           </p:stCondLst>
                                         </p:cTn>
                                         <p:tgtEl>
-                                          <p:spTgt spid="21"/>
+                                          <p:spTgt spid="20"/>
                                         </p:tgtEl>
                                         <p:attrNameLst>
                                           <p:attrName>style.visibility</p:attrName>
@@ -7480,7 +7699,7 @@
                                           </p:stCondLst>
                                         </p:cTn>
                                         <p:tgtEl>
-                                          <p:spTgt spid="22"/>
+                                          <p:spTgt spid="18"/>
                                         </p:tgtEl>
                                         <p:attrNameLst>
                                           <p:attrName>style.visibility</p:attrName>
@@ -7539,7 +7758,7 @@
                             </p:stCondLst>
                             <p:childTnLst>
                               <p:par>
-                                <p:cTn id="21" presetID="1" presetClass="entr" presetSubtype="0" fill="hold" grpId="0" nodeType="clickEffect">
+                                <p:cTn id="21" presetID="1" presetClass="entr" presetSubtype="0" fill="hold" nodeType="clickEffect">
                                   <p:stCondLst>
                                     <p:cond delay="0"/>
                                   </p:stCondLst>
@@ -7547,60 +7766,6 @@
                                     <p:set>
                                       <p:cBhvr>
                                         <p:cTn id="22" dur="1" fill="hold">
-                                          <p:stCondLst>
-                                            <p:cond delay="0"/>
-                                          </p:stCondLst>
-                                        </p:cTn>
-                                        <p:tgtEl>
-                                          <p:spTgt spid="11"/>
-                                        </p:tgtEl>
-                                        <p:attrNameLst>
-                                          <p:attrName>style.visibility</p:attrName>
-                                        </p:attrNameLst>
-                                      </p:cBhvr>
-                                      <p:to>
-                                        <p:strVal val="visible"/>
-                                      </p:to>
-                                    </p:set>
-                                  </p:childTnLst>
-                                </p:cTn>
-                              </p:par>
-                              <p:par>
-                                <p:cTn id="23" presetID="1" presetClass="entr" presetSubtype="0" fill="hold" grpId="0" nodeType="withEffect">
-                                  <p:stCondLst>
-                                    <p:cond delay="0"/>
-                                  </p:stCondLst>
-                                  <p:childTnLst>
-                                    <p:set>
-                                      <p:cBhvr>
-                                        <p:cTn id="24" dur="1" fill="hold">
-                                          <p:stCondLst>
-                                            <p:cond delay="0"/>
-                                          </p:stCondLst>
-                                        </p:cTn>
-                                        <p:tgtEl>
-                                          <p:spTgt spid="12"/>
-                                        </p:tgtEl>
-                                        <p:attrNameLst>
-                                          <p:attrName>style.visibility</p:attrName>
-                                        </p:attrNameLst>
-                                      </p:cBhvr>
-                                      <p:to>
-                                        <p:strVal val="visible"/>
-                                      </p:to>
-                                    </p:set>
-                                  </p:childTnLst>
-                                </p:cTn>
-                              </p:par>
-                              <p:par>
-                                <p:cTn id="25" presetID="1" presetClass="entr" presetSubtype="0" fill="hold" nodeType="withEffect">
-                                  <p:stCondLst>
-                                    <p:cond delay="0"/>
-                                  </p:stCondLst>
-                                  <p:childTnLst>
-                                    <p:set>
-                                      <p:cBhvr>
-                                        <p:cTn id="26" dur="1" fill="hold">
                                           <p:stCondLst>
                                             <p:cond delay="0"/>
                                           </p:stCondLst>
@@ -7624,7 +7789,65 @@
                                 </p:cTn>
                               </p:par>
                               <p:par>
-                                <p:cTn id="27" presetID="1" presetClass="entr" presetSubtype="0" fill="hold" nodeType="withEffect">
+                                <p:cTn id="23" presetID="1" presetClass="entr" presetSubtype="0" fill="hold" nodeType="withEffect">
+                                  <p:stCondLst>
+                                    <p:cond delay="0"/>
+                                  </p:stCondLst>
+                                  <p:childTnLst>
+                                    <p:set>
+                                      <p:cBhvr>
+                                        <p:cTn id="24" dur="1" fill="hold">
+                                          <p:stCondLst>
+                                            <p:cond delay="0"/>
+                                          </p:stCondLst>
+                                        </p:cTn>
+                                        <p:tgtEl>
+                                          <p:spTgt spid="3">
+                                            <p:txEl>
+                                              <p:pRg st="3" end="3"/>
+                                            </p:txEl>
+                                          </p:spTgt>
+                                        </p:tgtEl>
+                                        <p:attrNameLst>
+                                          <p:attrName>style.visibility</p:attrName>
+                                        </p:attrNameLst>
+                                      </p:cBhvr>
+                                      <p:to>
+                                        <p:strVal val="visible"/>
+                                      </p:to>
+                                    </p:set>
+                                  </p:childTnLst>
+                                </p:cTn>
+                              </p:par>
+                              <p:par>
+                                <p:cTn id="25" presetID="1" presetClass="entr" presetSubtype="0" fill="hold" grpId="0" nodeType="withEffect">
+                                  <p:stCondLst>
+                                    <p:cond delay="0"/>
+                                  </p:stCondLst>
+                                  <p:childTnLst>
+                                    <p:set>
+                                      <p:cBhvr>
+                                        <p:cTn id="26" dur="1" fill="hold">
+                                          <p:stCondLst>
+                                            <p:cond delay="0"/>
+                                          </p:stCondLst>
+                                        </p:cTn>
+                                        <p:tgtEl>
+                                          <p:spTgt spid="14"/>
+                                        </p:tgtEl>
+                                        <p:attrNameLst>
+                                          <p:attrName>style.visibility</p:attrName>
+                                        </p:attrNameLst>
+                                      </p:cBhvr>
+                                      <p:to>
+                                        <p:strVal val="visible"/>
+                                      </p:to>
+                                    </p:set>
+                                  </p:childTnLst>
+                                </p:cTn>
+                              </p:par>
+                              <p:par>
+                                <p:cTn id="27" presetID="1" presetClass="entr" presetSubtype="0" fill="hold" grpId="0" nodeType="withEffect">
                                   <p:stCondLst>
                                     <p:cond delay="0"/>
                                   </p:stCondLst>
@@ -7637,11 +7860,7 @@
                                           </p:stCondLst>
                                         </p:cTn>
                                         <p:tgtEl>
-                                          <p:spTgt spid="3">
-                                            <p:txEl>
-                                              <p:pRg st="3" end="3"/>
-                                            </p:txEl>
-                                          </p:spTgt>
+                                          <p:spTgt spid="11"/>
                                         </p:tgtEl>
                                         <p:attrNameLst>
                                           <p:attrName>style.visibility</p:attrName>
@@ -7668,7 +7887,7 @@
                                           </p:stCondLst>
                                         </p:cTn>
                                         <p:tgtEl>
-                                          <p:spTgt spid="14"/>
+                                          <p:spTgt spid="12"/>
                                         </p:tgtEl>
                                         <p:attrNameLst>
                                           <p:attrName>style.visibility</p:attrName>
@@ -7842,6 +8061,33 @@
                                   </p:childTnLst>
                                 </p:cTn>
                               </p:par>
+                              <p:par>
+                                <p:cTn id="43" presetID="1" presetClass="entr" presetSubtype="0" fill="hold" grpId="0" nodeType="withEffect">
+                                  <p:stCondLst>
+                                    <p:cond delay="0"/>
+                                  </p:stCondLst>
+                                  <p:childTnLst>
+                                    <p:set>
+                                      <p:cBhvr>
+                                        <p:cTn id="44" dur="1" fill="hold">
+                                          <p:stCondLst>
+                                            <p:cond delay="0"/>
+                                          </p:stCondLst>
+                                        </p:cTn>
+                                        <p:tgtEl>
+                                          <p:spTgt spid="5"/>
+                                        </p:tgtEl>
+                                        <p:attrNameLst>
+                                          <p:attrName>style.visibility</p:attrName>
+                                        </p:attrNameLst>
+                                      </p:cBhvr>
+                                      <p:to>
+                                        <p:strVal val="visible"/>
+                                      </p:to>
+                                    </p:set>
+                                  </p:childTnLst>
+                                </p:cTn>
+                              </p:par>
                             </p:childTnLst>
                           </p:cTn>
                         </p:par>
@@ -7876,6 +8122,7 @@
       <p:bldP spid="14" grpId="0" animBg="1"/>
       <p:bldP spid="15" grpId="0"/>
       <p:bldP spid="16" grpId="0" animBg="1"/>
+      <p:bldP spid="5" grpId="0"/>
     </p:bldLst>
   </p:timing>
 </p:sld>
@@ -8448,87 +8695,569 @@
           </a:xfrm>
         </p:spPr>
       </p:pic>
-      <p:grpSp>
-        <p:nvGrpSpPr>
-          <p:cNvPr id="15" name="Gruppieren 14">
+      <mc:AlternateContent xmlns:mc="http://schemas.openxmlformats.org/markup-compatibility/2006">
+        <mc:Choice xmlns:a14="http://schemas.microsoft.com/office/drawing/2010/main" Requires="a14">
+          <p:sp>
+            <p:nvSpPr>
+              <p:cNvPr id="5" name="Rechteck: abgerundete Ecken 4">
+                <a:extLst>
+                  <a:ext uri="{FF2B5EF4-FFF2-40B4-BE49-F238E27FC236}">
+                    <a16:creationId xmlns:a16="http://schemas.microsoft.com/office/drawing/2014/main" id="{A767F0A7-0A4B-4160-99D9-A0977548D9F0}"/>
+                  </a:ext>
+                </a:extLst>
+              </p:cNvPr>
+              <p:cNvSpPr/>
+              <p:nvPr/>
+            </p:nvSpPr>
+            <p:spPr>
+              <a:xfrm>
+                <a:off x="5892833" y="2140875"/>
+                <a:ext cx="2147777" cy="921488"/>
+              </a:xfrm>
+              <a:prstGeom prst="roundRect">
+                <a:avLst/>
+              </a:prstGeom>
+            </p:spPr>
+            <p:style>
+              <a:lnRef idx="2">
+                <a:schemeClr val="accent5">
+                  <a:shade val="50000"/>
+                </a:schemeClr>
+              </a:lnRef>
+              <a:fillRef idx="1">
+                <a:schemeClr val="accent5"/>
+              </a:fillRef>
+              <a:effectRef idx="0">
+                <a:schemeClr val="accent5"/>
+              </a:effectRef>
+              <a:fontRef idx="minor">
+                <a:schemeClr val="lt1"/>
+              </a:fontRef>
+            </p:style>
+            <p:txBody>
+              <a:bodyPr rtlCol="0" anchor="ctr"/>
+              <a:lstStyle/>
+              <a:p>
+                <a:pPr algn="ctr"/>
+                <a:r>
+                  <a:rPr lang="de-DE" dirty="0"/>
+                  <a:t>Classic </a:t>
+                </a:r>
+                <a:r>
+                  <a:rPr lang="de-DE" dirty="0" err="1"/>
+                  <a:t>optimization</a:t>
+                </a:r>
+                <a:endParaRPr lang="de-DE" dirty="0"/>
+              </a:p>
+              <a:p>
+                <a:pPr algn="ctr"/>
+                <a:r>
+                  <a:rPr lang="de-DE" dirty="0"/>
+                  <a:t>Update </a:t>
+                </a:r>
+                <a14:m>
+                  <m:oMath xmlns:m="http://schemas.openxmlformats.org/officeDocument/2006/math">
+                    <m:r>
+                      <a:rPr lang="en-US" b="1" i="1" smtClean="0">
+                        <a:latin typeface="Cambria Math" panose="02040503050406030204" pitchFamily="18" charset="0"/>
+                      </a:rPr>
+                      <m:t>𝜷</m:t>
+                    </m:r>
+                    <m:r>
+                      <a:rPr lang="en-US" b="0" i="1" smtClean="0">
+                        <a:latin typeface="Cambria Math" panose="02040503050406030204" pitchFamily="18" charset="0"/>
+                      </a:rPr>
+                      <m:t>, </m:t>
+                    </m:r>
+                    <m:r>
+                      <a:rPr lang="en-US" b="1" i="1" smtClean="0">
+                        <a:latin typeface="Cambria Math" panose="02040503050406030204" pitchFamily="18" charset="0"/>
+                      </a:rPr>
+                      <m:t>𝜸</m:t>
+                    </m:r>
+                  </m:oMath>
+                </a14:m>
+                <a:endParaRPr lang="de-DE" b="1" dirty="0"/>
+              </a:p>
+            </p:txBody>
+          </p:sp>
+        </mc:Choice>
+        <mc:Fallback>
+          <p:sp>
+            <p:nvSpPr>
+              <p:cNvPr id="5" name="Rechteck: abgerundete Ecken 4">
+                <a:extLst>
+                  <a:ext uri="{FF2B5EF4-FFF2-40B4-BE49-F238E27FC236}">
+                    <a16:creationId xmlns:a16="http://schemas.microsoft.com/office/drawing/2014/main" id="{A767F0A7-0A4B-4160-99D9-A0977548D9F0}"/>
+                  </a:ext>
+                </a:extLst>
+              </p:cNvPr>
+              <p:cNvSpPr>
+                <a:spLocks noRot="1" noChangeAspect="1" noMove="1" noResize="1" noEditPoints="1" noAdjustHandles="1" noChangeArrowheads="1" noChangeShapeType="1" noTextEdit="1"/>
+              </p:cNvSpPr>
+              <p:nvPr/>
+            </p:nvSpPr>
+            <p:spPr>
+              <a:xfrm>
+                <a:off x="5892833" y="2140875"/>
+                <a:ext cx="2147777" cy="921488"/>
+              </a:xfrm>
+              <a:prstGeom prst="roundRect">
+                <a:avLst/>
+              </a:prstGeom>
+              <a:blipFill>
+                <a:blip r:embed="rId4"/>
+                <a:stretch>
+                  <a:fillRect/>
+                </a:stretch>
+              </a:blipFill>
+            </p:spPr>
+            <p:txBody>
+              <a:bodyPr/>
+              <a:lstStyle/>
+              <a:p>
+                <a:r>
+                  <a:rPr lang="de-DE">
+                    <a:noFill/>
+                  </a:rPr>
+                  <a:t> </a:t>
+                </a:r>
+              </a:p>
+            </p:txBody>
+          </p:sp>
+        </mc:Fallback>
+      </mc:AlternateContent>
+      <mc:AlternateContent xmlns:mc="http://schemas.openxmlformats.org/markup-compatibility/2006">
+        <mc:Choice xmlns:a14="http://schemas.microsoft.com/office/drawing/2010/main" Requires="a14">
+          <p:sp>
+            <p:nvSpPr>
+              <p:cNvPr id="6" name="Rechteck: abgerundete Ecken 5">
+                <a:extLst>
+                  <a:ext uri="{FF2B5EF4-FFF2-40B4-BE49-F238E27FC236}">
+                    <a16:creationId xmlns:a16="http://schemas.microsoft.com/office/drawing/2014/main" id="{48D16D11-9EA1-4DC5-8BC5-FFE7D97E403C}"/>
+                  </a:ext>
+                </a:extLst>
+              </p:cNvPr>
+              <p:cNvSpPr/>
+              <p:nvPr/>
+            </p:nvSpPr>
+            <p:spPr>
+              <a:xfrm>
+                <a:off x="8923792" y="2102499"/>
+                <a:ext cx="2896716" cy="921488"/>
+              </a:xfrm>
+              <a:prstGeom prst="roundRect">
+                <a:avLst/>
+              </a:prstGeom>
+            </p:spPr>
+            <p:style>
+              <a:lnRef idx="2">
+                <a:schemeClr val="accent1">
+                  <a:shade val="50000"/>
+                </a:schemeClr>
+              </a:lnRef>
+              <a:fillRef idx="1">
+                <a:schemeClr val="accent1"/>
+              </a:fillRef>
+              <a:effectRef idx="0">
+                <a:schemeClr val="accent1"/>
+              </a:effectRef>
+              <a:fontRef idx="minor">
+                <a:schemeClr val="lt1"/>
+              </a:fontRef>
+            </p:style>
+            <p:txBody>
+              <a:bodyPr rtlCol="0" anchor="ctr"/>
+              <a:lstStyle/>
+              <a:p>
+                <a:pPr algn="ctr"/>
+                <a:r>
+                  <a:rPr lang="de-DE" dirty="0"/>
+                  <a:t>Quantum </a:t>
+                </a:r>
+                <a:r>
+                  <a:rPr lang="de-DE" dirty="0" err="1"/>
+                  <a:t>evaluation</a:t>
+                </a:r>
+                <a:endParaRPr lang="de-DE" dirty="0"/>
+              </a:p>
+              <a:p>
+                <a:pPr algn="ctr"/>
+                <a14:m>
+                  <m:oMath xmlns:m="http://schemas.openxmlformats.org/officeDocument/2006/math">
+                    <m:d>
+                      <m:dPr>
+                        <m:begChr m:val="|"/>
+                        <m:endChr m:val="⟩"/>
+                        <m:ctrlPr>
+                          <a:rPr lang="en-US" b="0" i="1" smtClean="0">
+                            <a:latin typeface="Cambria Math" panose="02040503050406030204" pitchFamily="18" charset="0"/>
+                          </a:rPr>
+                        </m:ctrlPr>
+                      </m:dPr>
+                      <m:e>
+                        <m:sSub>
+                          <m:sSubPr>
+                            <m:ctrlPr>
+                              <a:rPr lang="en-US" b="0" i="1" smtClean="0">
+                                <a:latin typeface="Cambria Math" panose="02040503050406030204" pitchFamily="18" charset="0"/>
+                              </a:rPr>
+                            </m:ctrlPr>
+                          </m:sSubPr>
+                          <m:e>
+                            <m:r>
+                              <a:rPr lang="en-US" b="0" i="1" smtClean="0">
+                                <a:latin typeface="Cambria Math" panose="02040503050406030204" pitchFamily="18" charset="0"/>
+                              </a:rPr>
+                              <m:t>𝜓</m:t>
+                            </m:r>
+                          </m:e>
+                          <m:sub>
+                            <m:r>
+                              <a:rPr lang="en-US" b="0" i="1" smtClean="0">
+                                <a:latin typeface="Cambria Math" panose="02040503050406030204" pitchFamily="18" charset="0"/>
+                              </a:rPr>
+                              <m:t>0</m:t>
+                            </m:r>
+                          </m:sub>
+                        </m:sSub>
+                      </m:e>
+                    </m:d>
+                    <m:r>
+                      <a:rPr lang="en-US" b="0" i="1" smtClean="0">
+                        <a:latin typeface="Cambria Math" panose="02040503050406030204" pitchFamily="18" charset="0"/>
+                      </a:rPr>
+                      <m:t>→</m:t>
+                    </m:r>
+                    <m:sSub>
+                      <m:sSubPr>
+                        <m:ctrlPr>
+                          <a:rPr lang="en-US" b="0" i="1" smtClean="0">
+                            <a:latin typeface="Cambria Math" panose="02040503050406030204" pitchFamily="18" charset="0"/>
+                          </a:rPr>
+                        </m:ctrlPr>
+                      </m:sSubPr>
+                      <m:e>
+                        <m:r>
+                          <a:rPr lang="en-US" b="0" i="1" smtClean="0">
+                            <a:latin typeface="Cambria Math" panose="02040503050406030204" pitchFamily="18" charset="0"/>
+                          </a:rPr>
+                          <m:t>𝑈</m:t>
+                        </m:r>
+                      </m:e>
+                      <m:sub>
+                        <m:r>
+                          <a:rPr lang="en-US" b="0" i="1" smtClean="0">
+                            <a:latin typeface="Cambria Math" panose="02040503050406030204" pitchFamily="18" charset="0"/>
+                          </a:rPr>
+                          <m:t>𝐵</m:t>
+                        </m:r>
+                      </m:sub>
+                    </m:sSub>
+                    <m:r>
+                      <a:rPr lang="en-US" b="0" i="1" smtClean="0">
+                        <a:latin typeface="Cambria Math" panose="02040503050406030204" pitchFamily="18" charset="0"/>
+                      </a:rPr>
+                      <m:t>,</m:t>
+                    </m:r>
+                    <m:sSub>
+                      <m:sSubPr>
+                        <m:ctrlPr>
+                          <a:rPr lang="en-US" b="0" i="1" smtClean="0">
+                            <a:latin typeface="Cambria Math" panose="02040503050406030204" pitchFamily="18" charset="0"/>
+                          </a:rPr>
+                        </m:ctrlPr>
+                      </m:sSubPr>
+                      <m:e>
+                        <m:r>
+                          <a:rPr lang="en-US" b="0" i="1" smtClean="0">
+                            <a:latin typeface="Cambria Math" panose="02040503050406030204" pitchFamily="18" charset="0"/>
+                          </a:rPr>
+                          <m:t>𝑈</m:t>
+                        </m:r>
+                      </m:e>
+                      <m:sub>
+                        <m:r>
+                          <a:rPr lang="en-US" b="0" i="1" smtClean="0">
+                            <a:latin typeface="Cambria Math" panose="02040503050406030204" pitchFamily="18" charset="0"/>
+                          </a:rPr>
+                          <m:t>𝐶</m:t>
+                        </m:r>
+                      </m:sub>
+                    </m:sSub>
+                    <m:r>
+                      <a:rPr lang="en-US" b="0" i="1" smtClean="0">
+                        <a:latin typeface="Cambria Math" panose="02040503050406030204" pitchFamily="18" charset="0"/>
+                      </a:rPr>
+                      <m:t>→|</m:t>
+                    </m:r>
+                    <m:r>
+                      <a:rPr lang="en-US" b="0" i="1" smtClean="0">
+                        <a:latin typeface="Cambria Math" panose="02040503050406030204" pitchFamily="18" charset="0"/>
+                      </a:rPr>
+                      <m:t>𝜓</m:t>
+                    </m:r>
+                    <m:d>
+                      <m:dPr>
+                        <m:ctrlPr>
+                          <a:rPr lang="en-US" b="0" i="1" smtClean="0">
+                            <a:latin typeface="Cambria Math" panose="02040503050406030204" pitchFamily="18" charset="0"/>
+                          </a:rPr>
+                        </m:ctrlPr>
+                      </m:dPr>
+                      <m:e>
+                        <m:r>
+                          <a:rPr lang="en-US" b="1" i="1" smtClean="0">
+                            <a:latin typeface="Cambria Math" panose="02040503050406030204" pitchFamily="18" charset="0"/>
+                          </a:rPr>
+                          <m:t>𝜷</m:t>
+                        </m:r>
+                        <m:r>
+                          <a:rPr lang="en-US" b="0" i="1" smtClean="0">
+                            <a:latin typeface="Cambria Math" panose="02040503050406030204" pitchFamily="18" charset="0"/>
+                          </a:rPr>
+                          <m:t>, </m:t>
+                        </m:r>
+                        <m:r>
+                          <a:rPr lang="en-US" b="1" i="1" smtClean="0">
+                            <a:latin typeface="Cambria Math" panose="02040503050406030204" pitchFamily="18" charset="0"/>
+                          </a:rPr>
+                          <m:t>𝜸</m:t>
+                        </m:r>
+                      </m:e>
+                    </m:d>
+                    <m:r>
+                      <a:rPr lang="en-US" b="0" i="1" smtClean="0">
+                        <a:latin typeface="Cambria Math" panose="02040503050406030204" pitchFamily="18" charset="0"/>
+                      </a:rPr>
+                      <m:t>⟩</m:t>
+                    </m:r>
+                  </m:oMath>
+                </a14:m>
+                <a:r>
+                  <a:rPr lang="de-DE" dirty="0"/>
+                  <a:t> </a:t>
+                </a:r>
+              </a:p>
+            </p:txBody>
+          </p:sp>
+        </mc:Choice>
+        <mc:Fallback>
+          <p:sp>
+            <p:nvSpPr>
+              <p:cNvPr id="6" name="Rechteck: abgerundete Ecken 5">
+                <a:extLst>
+                  <a:ext uri="{FF2B5EF4-FFF2-40B4-BE49-F238E27FC236}">
+                    <a16:creationId xmlns:a16="http://schemas.microsoft.com/office/drawing/2014/main" id="{48D16D11-9EA1-4DC5-8BC5-FFE7D97E403C}"/>
+                  </a:ext>
+                </a:extLst>
+              </p:cNvPr>
+              <p:cNvSpPr>
+                <a:spLocks noRot="1" noChangeAspect="1" noMove="1" noResize="1" noEditPoints="1" noAdjustHandles="1" noChangeArrowheads="1" noChangeShapeType="1" noTextEdit="1"/>
+              </p:cNvSpPr>
+              <p:nvPr/>
+            </p:nvSpPr>
+            <p:spPr>
+              <a:xfrm>
+                <a:off x="8923792" y="2102499"/>
+                <a:ext cx="2896716" cy="921488"/>
+              </a:xfrm>
+              <a:prstGeom prst="roundRect">
+                <a:avLst/>
+              </a:prstGeom>
+              <a:blipFill>
+                <a:blip r:embed="rId5"/>
+                <a:stretch>
+                  <a:fillRect/>
+                </a:stretch>
+              </a:blipFill>
+            </p:spPr>
+            <p:txBody>
+              <a:bodyPr/>
+              <a:lstStyle/>
+              <a:p>
+                <a:r>
+                  <a:rPr lang="de-DE">
+                    <a:noFill/>
+                  </a:rPr>
+                  <a:t> </a:t>
+                </a:r>
+              </a:p>
+            </p:txBody>
+          </p:sp>
+        </mc:Fallback>
+      </mc:AlternateContent>
+      <p:sp>
+        <p:nvSpPr>
+          <p:cNvPr id="7" name="Pfeil: gebogen 6">
             <a:extLst>
               <a:ext uri="{FF2B5EF4-FFF2-40B4-BE49-F238E27FC236}">
-                <a16:creationId xmlns:a16="http://schemas.microsoft.com/office/drawing/2014/main" id="{D9ECC359-8688-4FD9-90D3-D6CEB23AD4A2}"/>
+                <a16:creationId xmlns:a16="http://schemas.microsoft.com/office/drawing/2014/main" id="{524B0AA0-5078-4E6B-9D4C-9915AE5FF258}"/>
               </a:ext>
             </a:extLst>
           </p:cNvPr>
-          <p:cNvGrpSpPr/>
+          <p:cNvSpPr/>
           <p:nvPr/>
-        </p:nvGrpSpPr>
-        <p:grpSpPr>
+        </p:nvSpPr>
+        <p:spPr>
           <a:xfrm>
-            <a:off x="5892833" y="872232"/>
-            <a:ext cx="5927675" cy="3383053"/>
-            <a:chOff x="6096000" y="2315139"/>
-            <a:chExt cx="5927675" cy="3383053"/>
+            <a:off x="7310507" y="872232"/>
+            <a:ext cx="3111795" cy="2027274"/>
           </a:xfrm>
-        </p:grpSpPr>
-        <mc:AlternateContent xmlns:mc="http://schemas.openxmlformats.org/markup-compatibility/2006" xmlns:a14="http://schemas.microsoft.com/office/drawing/2010/main">
-          <mc:Choice Requires="a14">
-            <p:sp>
-              <p:nvSpPr>
-                <p:cNvPr id="5" name="Rechteck: abgerundete Ecken 4">
-                  <a:extLst>
-                    <a:ext uri="{FF2B5EF4-FFF2-40B4-BE49-F238E27FC236}">
-                      <a16:creationId xmlns:a16="http://schemas.microsoft.com/office/drawing/2014/main" id="{A767F0A7-0A4B-4160-99D9-A0977548D9F0}"/>
-                    </a:ext>
-                  </a:extLst>
-                </p:cNvPr>
-                <p:cNvSpPr/>
-                <p:nvPr/>
-              </p:nvSpPr>
-              <p:spPr>
-                <a:xfrm>
-                  <a:off x="6096000" y="3583782"/>
-                  <a:ext cx="2147777" cy="921488"/>
-                </a:xfrm>
-                <a:prstGeom prst="roundRect">
-                  <a:avLst/>
-                </a:prstGeom>
-              </p:spPr>
-              <p:style>
-                <a:lnRef idx="2">
-                  <a:schemeClr val="accent5">
-                    <a:shade val="50000"/>
-                  </a:schemeClr>
-                </a:lnRef>
-                <a:fillRef idx="1">
-                  <a:schemeClr val="accent5"/>
-                </a:fillRef>
-                <a:effectRef idx="0">
-                  <a:schemeClr val="accent5"/>
-                </a:effectRef>
-                <a:fontRef idx="minor">
-                  <a:schemeClr val="lt1"/>
-                </a:fontRef>
-              </p:style>
-              <p:txBody>
-                <a:bodyPr rtlCol="0" anchor="ctr"/>
-                <a:lstStyle/>
-                <a:p>
-                  <a:pPr algn="ctr"/>
-                  <a:r>
-                    <a:rPr lang="de-DE" dirty="0"/>
-                    <a:t>Classic </a:t>
-                  </a:r>
-                  <a:r>
-                    <a:rPr lang="de-DE" dirty="0" err="1"/>
-                    <a:t>optimization</a:t>
-                  </a:r>
-                  <a:endParaRPr lang="de-DE" dirty="0"/>
-                </a:p>
-                <a:p>
-                  <a:pPr algn="ctr"/>
-                  <a:r>
-                    <a:rPr lang="de-DE" dirty="0"/>
-                    <a:t>Update </a:t>
-                  </a:r>
-                  <a14:m>
+          <a:prstGeom prst="circularArrow">
+            <a:avLst>
+              <a:gd name="adj1" fmla="val 6413"/>
+              <a:gd name="adj2" fmla="val 1142319"/>
+              <a:gd name="adj3" fmla="val 20588446"/>
+              <a:gd name="adj4" fmla="val 10800000"/>
+              <a:gd name="adj5" fmla="val 12500"/>
+            </a:avLst>
+          </a:prstGeom>
+          <a:gradFill flip="none" rotWithShape="1">
+            <a:gsLst>
+              <a:gs pos="100000">
+                <a:schemeClr val="accent1"/>
+              </a:gs>
+              <a:gs pos="0">
+                <a:srgbClr val="0070C0"/>
+              </a:gs>
+            </a:gsLst>
+            <a:lin ang="0" scaled="1"/>
+            <a:tileRect/>
+          </a:gradFill>
+        </p:spPr>
+        <p:style>
+          <a:lnRef idx="2">
+            <a:schemeClr val="accent5">
+              <a:shade val="50000"/>
+            </a:schemeClr>
+          </a:lnRef>
+          <a:fillRef idx="1">
+            <a:schemeClr val="accent5"/>
+          </a:fillRef>
+          <a:effectRef idx="0">
+            <a:schemeClr val="accent5"/>
+          </a:effectRef>
+          <a:fontRef idx="minor">
+            <a:schemeClr val="lt1"/>
+          </a:fontRef>
+        </p:style>
+        <p:txBody>
+          <a:bodyPr rtlCol="0" anchor="ctr"/>
+          <a:lstStyle/>
+          <a:p>
+            <a:pPr algn="ctr"/>
+            <a:endParaRPr lang="de-DE" dirty="0">
+              <a:solidFill>
+                <a:schemeClr val="tx1"/>
+              </a:solidFill>
+            </a:endParaRPr>
+          </a:p>
+        </p:txBody>
+      </p:sp>
+      <p:sp>
+        <p:nvSpPr>
+          <p:cNvPr id="8" name="Pfeil: gebogen 7">
+            <a:extLst>
+              <a:ext uri="{FF2B5EF4-FFF2-40B4-BE49-F238E27FC236}">
+                <a16:creationId xmlns:a16="http://schemas.microsoft.com/office/drawing/2014/main" id="{B94FC6A4-8164-4BD5-AD8B-572F4C19FAC2}"/>
+              </a:ext>
+            </a:extLst>
+          </p:cNvPr>
+          <p:cNvSpPr/>
+          <p:nvPr/>
+        </p:nvSpPr>
+        <p:spPr>
+          <a:xfrm rot="10800000">
+            <a:off x="7310507" y="2228011"/>
+            <a:ext cx="3111795" cy="2027274"/>
+          </a:xfrm>
+          <a:prstGeom prst="circularArrow">
+            <a:avLst>
+              <a:gd name="adj1" fmla="val 6413"/>
+              <a:gd name="adj2" fmla="val 1142319"/>
+              <a:gd name="adj3" fmla="val 20588446"/>
+              <a:gd name="adj4" fmla="val 10800000"/>
+              <a:gd name="adj5" fmla="val 12500"/>
+            </a:avLst>
+          </a:prstGeom>
+          <a:gradFill>
+            <a:gsLst>
+              <a:gs pos="0">
+                <a:schemeClr val="accent1"/>
+              </a:gs>
+              <a:gs pos="100000">
+                <a:srgbClr val="0070C0"/>
+              </a:gs>
+            </a:gsLst>
+            <a:lin ang="0" scaled="1"/>
+          </a:gradFill>
+        </p:spPr>
+        <p:style>
+          <a:lnRef idx="2">
+            <a:schemeClr val="accent5">
+              <a:shade val="50000"/>
+            </a:schemeClr>
+          </a:lnRef>
+          <a:fillRef idx="1">
+            <a:schemeClr val="accent5"/>
+          </a:fillRef>
+          <a:effectRef idx="0">
+            <a:schemeClr val="accent5"/>
+          </a:effectRef>
+          <a:fontRef idx="minor">
+            <a:schemeClr val="lt1"/>
+          </a:fontRef>
+        </p:style>
+        <p:txBody>
+          <a:bodyPr rtlCol="0" anchor="ctr"/>
+          <a:lstStyle/>
+          <a:p>
+            <a:pPr algn="ctr"/>
+            <a:endParaRPr lang="de-DE" dirty="0">
+              <a:solidFill>
+                <a:schemeClr val="tx1"/>
+              </a:solidFill>
+            </a:endParaRPr>
+          </a:p>
+        </p:txBody>
+      </p:sp>
+      <mc:AlternateContent xmlns:mc="http://schemas.openxmlformats.org/markup-compatibility/2006">
+        <mc:Choice xmlns:a14="http://schemas.microsoft.com/office/drawing/2010/main" Requires="a14">
+          <p:sp>
+            <p:nvSpPr>
+              <p:cNvPr id="9" name="Textfeld 8">
+                <a:extLst>
+                  <a:ext uri="{FF2B5EF4-FFF2-40B4-BE49-F238E27FC236}">
+                    <a16:creationId xmlns:a16="http://schemas.microsoft.com/office/drawing/2014/main" id="{8517C66A-5BDE-4407-8E29-2AED982540DB}"/>
+                  </a:ext>
+                </a:extLst>
+              </p:cNvPr>
+              <p:cNvSpPr txBox="1"/>
+              <p:nvPr/>
+            </p:nvSpPr>
+            <p:spPr>
+              <a:xfrm>
+                <a:off x="8505332" y="1239944"/>
+                <a:ext cx="631904" cy="369332"/>
+              </a:xfrm>
+              <a:prstGeom prst="rect">
+                <a:avLst/>
+              </a:prstGeom>
+              <a:noFill/>
+            </p:spPr>
+            <p:txBody>
+              <a:bodyPr wrap="none" rtlCol="0">
+                <a:spAutoFit/>
+              </a:bodyPr>
+              <a:lstStyle/>
+              <a:p>
+                <a:pPr/>
+                <a14:m>
+                  <m:oMathPara xmlns:m="http://schemas.openxmlformats.org/officeDocument/2006/math">
+                    <m:oMathParaPr>
+                      <m:jc m:val="centerGroup"/>
+                    </m:oMathParaPr>
                     <m:oMath xmlns:m="http://schemas.openxmlformats.org/officeDocument/2006/math">
                       <m:r>
                         <a:rPr lang="en-US" b="1" i="1" smtClean="0">
@@ -8549,226 +9278,100 @@
                         <m:t>𝜸</m:t>
                       </m:r>
                     </m:oMath>
-                  </a14:m>
-                  <a:endParaRPr lang="de-DE" b="1" dirty="0"/>
-                </a:p>
-              </p:txBody>
-            </p:sp>
-          </mc:Choice>
-          <mc:Fallback xmlns="">
-            <p:sp>
-              <p:nvSpPr>
-                <p:cNvPr id="5" name="Rechteck: abgerundete Ecken 4">
-                  <a:extLst>
-                    <a:ext uri="{FF2B5EF4-FFF2-40B4-BE49-F238E27FC236}">
-                      <a16:creationId xmlns:a16="http://schemas.microsoft.com/office/drawing/2014/main" id="{A767F0A7-0A4B-4160-99D9-A0977548D9F0}"/>
-                    </a:ext>
-                  </a:extLst>
-                </p:cNvPr>
-                <p:cNvSpPr>
-                  <a:spLocks noRot="1" noChangeAspect="1" noMove="1" noResize="1" noEditPoints="1" noAdjustHandles="1" noChangeArrowheads="1" noChangeShapeType="1" noTextEdit="1"/>
-                </p:cNvSpPr>
-                <p:nvPr/>
-              </p:nvSpPr>
-              <p:spPr>
-                <a:xfrm>
-                  <a:off x="6096000" y="3583782"/>
-                  <a:ext cx="2147777" cy="921488"/>
-                </a:xfrm>
-                <a:prstGeom prst="roundRect">
-                  <a:avLst/>
-                </a:prstGeom>
-                <a:blipFill>
-                  <a:blip r:embed="rId4"/>
-                  <a:stretch>
-                    <a:fillRect/>
-                  </a:stretch>
-                </a:blipFill>
-              </p:spPr>
-              <p:txBody>
-                <a:bodyPr/>
-                <a:lstStyle/>
-                <a:p>
-                  <a:r>
-                    <a:rPr lang="de-DE">
-                      <a:noFill/>
-                    </a:rPr>
-                    <a:t> </a:t>
-                  </a:r>
-                </a:p>
-              </p:txBody>
-            </p:sp>
-          </mc:Fallback>
-        </mc:AlternateContent>
-        <mc:AlternateContent xmlns:mc="http://schemas.openxmlformats.org/markup-compatibility/2006" xmlns:a14="http://schemas.microsoft.com/office/drawing/2010/main">
-          <mc:Choice Requires="a14">
-            <p:sp>
-              <p:nvSpPr>
-                <p:cNvPr id="6" name="Rechteck: abgerundete Ecken 5">
-                  <a:extLst>
-                    <a:ext uri="{FF2B5EF4-FFF2-40B4-BE49-F238E27FC236}">
-                      <a16:creationId xmlns:a16="http://schemas.microsoft.com/office/drawing/2014/main" id="{48D16D11-9EA1-4DC5-8BC5-FFE7D97E403C}"/>
-                    </a:ext>
-                  </a:extLst>
-                </p:cNvPr>
-                <p:cNvSpPr/>
-                <p:nvPr/>
-              </p:nvSpPr>
-              <p:spPr>
-                <a:xfrm>
-                  <a:off x="9126959" y="3545406"/>
-                  <a:ext cx="2896716" cy="921488"/>
-                </a:xfrm>
-                <a:prstGeom prst="roundRect">
-                  <a:avLst/>
-                </a:prstGeom>
-              </p:spPr>
-              <p:style>
-                <a:lnRef idx="2">
-                  <a:schemeClr val="accent1">
-                    <a:shade val="50000"/>
-                  </a:schemeClr>
-                </a:lnRef>
-                <a:fillRef idx="1">
-                  <a:schemeClr val="accent1"/>
-                </a:fillRef>
-                <a:effectRef idx="0">
-                  <a:schemeClr val="accent1"/>
-                </a:effectRef>
-                <a:fontRef idx="minor">
-                  <a:schemeClr val="lt1"/>
-                </a:fontRef>
-              </p:style>
-              <p:txBody>
-                <a:bodyPr rtlCol="0" anchor="ctr"/>
-                <a:lstStyle/>
-                <a:p>
-                  <a:pPr algn="ctr"/>
-                  <a:r>
-                    <a:rPr lang="de-DE" dirty="0"/>
-                    <a:t>Quantum </a:t>
-                  </a:r>
-                  <a:r>
-                    <a:rPr lang="de-DE" dirty="0" err="1"/>
-                    <a:t>evaluation</a:t>
-                  </a:r>
-                  <a:endParaRPr lang="de-DE" dirty="0"/>
-                </a:p>
-                <a:p>
-                  <a:pPr algn="ctr"/>
-                  <a14:m>
+                  </m:oMathPara>
+                </a14:m>
+                <a:endParaRPr lang="de-DE" b="1" dirty="0"/>
+              </a:p>
+            </p:txBody>
+          </p:sp>
+        </mc:Choice>
+        <mc:Fallback>
+          <p:sp>
+            <p:nvSpPr>
+              <p:cNvPr id="9" name="Textfeld 8">
+                <a:extLst>
+                  <a:ext uri="{FF2B5EF4-FFF2-40B4-BE49-F238E27FC236}">
+                    <a16:creationId xmlns:a16="http://schemas.microsoft.com/office/drawing/2014/main" id="{8517C66A-5BDE-4407-8E29-2AED982540DB}"/>
+                  </a:ext>
+                </a:extLst>
+              </p:cNvPr>
+              <p:cNvSpPr txBox="1">
+                <a:spLocks noRot="1" noChangeAspect="1" noMove="1" noResize="1" noEditPoints="1" noAdjustHandles="1" noChangeArrowheads="1" noChangeShapeType="1" noTextEdit="1"/>
+              </p:cNvSpPr>
+              <p:nvPr/>
+            </p:nvSpPr>
+            <p:spPr>
+              <a:xfrm>
+                <a:off x="8505332" y="1239944"/>
+                <a:ext cx="631904" cy="369332"/>
+              </a:xfrm>
+              <a:prstGeom prst="rect">
+                <a:avLst/>
+              </a:prstGeom>
+              <a:blipFill>
+                <a:blip r:embed="rId6"/>
+                <a:stretch>
+                  <a:fillRect b="-14754"/>
+                </a:stretch>
+              </a:blipFill>
+            </p:spPr>
+            <p:txBody>
+              <a:bodyPr/>
+              <a:lstStyle/>
+              <a:p>
+                <a:r>
+                  <a:rPr lang="de-DE">
+                    <a:noFill/>
+                  </a:rPr>
+                  <a:t> </a:t>
+                </a:r>
+              </a:p>
+            </p:txBody>
+          </p:sp>
+        </mc:Fallback>
+      </mc:AlternateContent>
+      <mc:AlternateContent xmlns:mc="http://schemas.openxmlformats.org/markup-compatibility/2006">
+        <mc:Choice xmlns:a14="http://schemas.microsoft.com/office/drawing/2010/main" Requires="a14">
+          <p:sp>
+            <p:nvSpPr>
+              <p:cNvPr id="10" name="Textfeld 9">
+                <a:extLst>
+                  <a:ext uri="{FF2B5EF4-FFF2-40B4-BE49-F238E27FC236}">
+                    <a16:creationId xmlns:a16="http://schemas.microsoft.com/office/drawing/2014/main" id="{46602031-495D-47D1-85A0-3B6A97D9C89A}"/>
+                  </a:ext>
+                </a:extLst>
+              </p:cNvPr>
+              <p:cNvSpPr txBox="1"/>
+              <p:nvPr/>
+            </p:nvSpPr>
+            <p:spPr>
+              <a:xfrm>
+                <a:off x="8378001" y="3409519"/>
+                <a:ext cx="976806" cy="369332"/>
+              </a:xfrm>
+              <a:prstGeom prst="rect">
+                <a:avLst/>
+              </a:prstGeom>
+              <a:noFill/>
+            </p:spPr>
+            <p:txBody>
+              <a:bodyPr wrap="none" rtlCol="0">
+                <a:spAutoFit/>
+              </a:bodyPr>
+              <a:lstStyle/>
+              <a:p>
+                <a:pPr/>
+                <a14:m>
+                  <m:oMathPara xmlns:m="http://schemas.openxmlformats.org/officeDocument/2006/math">
+                    <m:oMathParaPr>
+                      <m:jc m:val="centerGroup"/>
+                    </m:oMathParaPr>
                     <m:oMath xmlns:m="http://schemas.openxmlformats.org/officeDocument/2006/math">
-                      <m:d>
-                        <m:dPr>
-                          <m:begChr m:val="|"/>
-                          <m:endChr m:val="⟩"/>
-                          <m:ctrlPr>
-                            <a:rPr lang="en-US" b="0" i="1" smtClean="0">
-                              <a:latin typeface="Cambria Math" panose="02040503050406030204" pitchFamily="18" charset="0"/>
-                            </a:rPr>
-                          </m:ctrlPr>
-                        </m:dPr>
-                        <m:e>
-                          <m:sSub>
-                            <m:sSubPr>
-                              <m:ctrlPr>
-                                <a:rPr lang="en-US" b="0" i="1" smtClean="0">
-                                  <a:latin typeface="Cambria Math" panose="02040503050406030204" pitchFamily="18" charset="0"/>
-                                </a:rPr>
-                              </m:ctrlPr>
-                            </m:sSubPr>
-                            <m:e>
-                              <m:r>
-                                <a:rPr lang="en-US" b="0" i="1" smtClean="0">
-                                  <a:latin typeface="Cambria Math" panose="02040503050406030204" pitchFamily="18" charset="0"/>
-                                </a:rPr>
-                                <m:t>𝜓</m:t>
-                              </m:r>
-                            </m:e>
-                            <m:sub>
-                              <m:r>
-                                <a:rPr lang="en-US" b="0" i="1" smtClean="0">
-                                  <a:latin typeface="Cambria Math" panose="02040503050406030204" pitchFamily="18" charset="0"/>
-                                </a:rPr>
-                                <m:t>0</m:t>
-                              </m:r>
-                            </m:sub>
-                          </m:sSub>
-                        </m:e>
-                      </m:d>
                       <m:r>
                         <a:rPr lang="en-US" b="0" i="1" smtClean="0">
                           <a:latin typeface="Cambria Math" panose="02040503050406030204" pitchFamily="18" charset="0"/>
                         </a:rPr>
-                        <m:t>→</m:t>
-                      </m:r>
-                      <m:sSub>
-                        <m:sSubPr>
-                          <m:ctrlPr>
-                            <a:rPr lang="en-US" b="0" i="1" smtClean="0">
-                              <a:latin typeface="Cambria Math" panose="02040503050406030204" pitchFamily="18" charset="0"/>
-                            </a:rPr>
-                          </m:ctrlPr>
-                        </m:sSubPr>
-                        <m:e>
-                          <m:r>
-                            <a:rPr lang="en-US" b="0" i="1" smtClean="0">
-                              <a:latin typeface="Cambria Math" panose="02040503050406030204" pitchFamily="18" charset="0"/>
-                            </a:rPr>
-                            <m:t>𝑈</m:t>
-                          </m:r>
-                        </m:e>
-                        <m:sub>
-                          <m:r>
-                            <a:rPr lang="en-US" b="0" i="1" smtClean="0">
-                              <a:latin typeface="Cambria Math" panose="02040503050406030204" pitchFamily="18" charset="0"/>
-                            </a:rPr>
-                            <m:t>𝐵</m:t>
-                          </m:r>
-                        </m:sub>
-                      </m:sSub>
-                      <m:r>
-                        <a:rPr lang="en-US" b="0" i="1" smtClean="0">
-                          <a:latin typeface="Cambria Math" panose="02040503050406030204" pitchFamily="18" charset="0"/>
-                        </a:rPr>
-                        <m:t>,</m:t>
-                      </m:r>
-                      <m:sSub>
-                        <m:sSubPr>
-                          <m:ctrlPr>
-                            <a:rPr lang="en-US" b="0" i="1" smtClean="0">
-                              <a:latin typeface="Cambria Math" panose="02040503050406030204" pitchFamily="18" charset="0"/>
-                            </a:rPr>
-                          </m:ctrlPr>
-                        </m:sSubPr>
-                        <m:e>
-                          <m:r>
-                            <a:rPr lang="en-US" b="0" i="1" smtClean="0">
-                              <a:latin typeface="Cambria Math" panose="02040503050406030204" pitchFamily="18" charset="0"/>
-                            </a:rPr>
-                            <m:t>𝑈</m:t>
-                          </m:r>
-                        </m:e>
-                        <m:sub>
-                          <m:r>
-                            <a:rPr lang="en-US" b="0" i="1" smtClean="0">
-                              <a:latin typeface="Cambria Math" panose="02040503050406030204" pitchFamily="18" charset="0"/>
-                            </a:rPr>
-                            <m:t>𝐶</m:t>
-                          </m:r>
-                        </m:sub>
-                      </m:sSub>
-                      <m:r>
-                        <a:rPr lang="en-US" b="0" i="1" smtClean="0">
-                          <a:latin typeface="Cambria Math" panose="02040503050406030204" pitchFamily="18" charset="0"/>
-                        </a:rPr>
-                        <m:t>→|</m:t>
-                      </m:r>
-                      <m:r>
-                        <a:rPr lang="en-US" b="0" i="1" smtClean="0">
-                          <a:latin typeface="Cambria Math" panose="02040503050406030204" pitchFamily="18" charset="0"/>
-                        </a:rPr>
-                        <m:t>𝜓</m:t>
+                        <m:t>𝐸</m:t>
                       </m:r>
                       <m:d>
                         <m:dPr>
@@ -8789,7 +9392,7 @@
                             <a:rPr lang="en-US" b="0" i="1" smtClean="0">
                               <a:latin typeface="Cambria Math" panose="02040503050406030204" pitchFamily="18" charset="0"/>
                             </a:rPr>
-                            <m:t>, </m:t>
+                            <m:t>,</m:t>
                           </m:r>
                           <m:r>
                             <a:rPr lang="en-US" b="1" i="1" smtClean="0">
@@ -8799,440 +9402,840 @@
                           </m:r>
                         </m:e>
                       </m:d>
-                      <m:r>
-                        <a:rPr lang="en-US" b="0" i="1" smtClean="0">
-                          <a:latin typeface="Cambria Math" panose="02040503050406030204" pitchFamily="18" charset="0"/>
-                        </a:rPr>
-                        <m:t>⟩</m:t>
-                      </m:r>
                     </m:oMath>
-                  </a14:m>
-                  <a:r>
-                    <a:rPr lang="de-DE" dirty="0"/>
-                    <a:t> </a:t>
-                  </a:r>
-                </a:p>
-              </p:txBody>
-            </p:sp>
-          </mc:Choice>
-          <mc:Fallback xmlns="">
-            <p:sp>
-              <p:nvSpPr>
-                <p:cNvPr id="6" name="Rechteck: abgerundete Ecken 5">
-                  <a:extLst>
-                    <a:ext uri="{FF2B5EF4-FFF2-40B4-BE49-F238E27FC236}">
-                      <a16:creationId xmlns:a16="http://schemas.microsoft.com/office/drawing/2014/main" id="{48D16D11-9EA1-4DC5-8BC5-FFE7D97E403C}"/>
-                    </a:ext>
-                  </a:extLst>
-                </p:cNvPr>
-                <p:cNvSpPr>
-                  <a:spLocks noRot="1" noChangeAspect="1" noMove="1" noResize="1" noEditPoints="1" noAdjustHandles="1" noChangeArrowheads="1" noChangeShapeType="1" noTextEdit="1"/>
-                </p:cNvSpPr>
-                <p:nvPr/>
-              </p:nvSpPr>
-              <p:spPr>
-                <a:xfrm>
-                  <a:off x="9126959" y="3545406"/>
-                  <a:ext cx="2896716" cy="921488"/>
-                </a:xfrm>
-                <a:prstGeom prst="roundRect">
-                  <a:avLst/>
-                </a:prstGeom>
-                <a:blipFill>
-                  <a:blip r:embed="rId5"/>
-                  <a:stretch>
-                    <a:fillRect/>
-                  </a:stretch>
-                </a:blipFill>
-              </p:spPr>
-              <p:txBody>
-                <a:bodyPr/>
-                <a:lstStyle/>
-                <a:p>
-                  <a:r>
-                    <a:rPr lang="de-DE">
-                      <a:noFill/>
-                    </a:rPr>
-                    <a:t> </a:t>
-                  </a:r>
-                </a:p>
-              </p:txBody>
-            </p:sp>
-          </mc:Fallback>
-        </mc:AlternateContent>
-        <p:sp>
-          <p:nvSpPr>
-            <p:cNvPr id="7" name="Pfeil: gebogen 6">
-              <a:extLst>
-                <a:ext uri="{FF2B5EF4-FFF2-40B4-BE49-F238E27FC236}">
-                  <a16:creationId xmlns:a16="http://schemas.microsoft.com/office/drawing/2014/main" id="{524B0AA0-5078-4E6B-9D4C-9915AE5FF258}"/>
-                </a:ext>
-              </a:extLst>
-            </p:cNvPr>
-            <p:cNvSpPr/>
-            <p:nvPr/>
-          </p:nvSpPr>
-          <p:spPr>
-            <a:xfrm>
-              <a:off x="7513674" y="2315139"/>
-              <a:ext cx="3111795" cy="2027274"/>
-            </a:xfrm>
-            <a:prstGeom prst="circularArrow">
-              <a:avLst>
-                <a:gd name="adj1" fmla="val 6413"/>
-                <a:gd name="adj2" fmla="val 1142319"/>
-                <a:gd name="adj3" fmla="val 20588446"/>
-                <a:gd name="adj4" fmla="val 10800000"/>
-                <a:gd name="adj5" fmla="val 12500"/>
-              </a:avLst>
-            </a:prstGeom>
-            <a:gradFill flip="none" rotWithShape="1">
-              <a:gsLst>
-                <a:gs pos="100000">
-                  <a:schemeClr val="accent1"/>
-                </a:gs>
-                <a:gs pos="0">
-                  <a:srgbClr val="0070C0"/>
-                </a:gs>
-              </a:gsLst>
-              <a:lin ang="0" scaled="1"/>
-              <a:tileRect/>
-            </a:gradFill>
-          </p:spPr>
-          <p:style>
-            <a:lnRef idx="2">
-              <a:schemeClr val="accent5">
-                <a:shade val="50000"/>
-              </a:schemeClr>
-            </a:lnRef>
-            <a:fillRef idx="1">
-              <a:schemeClr val="accent5"/>
-            </a:fillRef>
-            <a:effectRef idx="0">
-              <a:schemeClr val="accent5"/>
-            </a:effectRef>
-            <a:fontRef idx="minor">
-              <a:schemeClr val="lt1"/>
-            </a:fontRef>
-          </p:style>
-          <p:txBody>
-            <a:bodyPr rtlCol="0" anchor="ctr"/>
-            <a:lstStyle/>
-            <a:p>
-              <a:pPr algn="ctr"/>
-              <a:endParaRPr lang="de-DE" dirty="0">
-                <a:solidFill>
-                  <a:schemeClr val="tx1"/>
-                </a:solidFill>
-              </a:endParaRPr>
-            </a:p>
-          </p:txBody>
-        </p:sp>
-        <p:sp>
-          <p:nvSpPr>
-            <p:cNvPr id="8" name="Pfeil: gebogen 7">
-              <a:extLst>
-                <a:ext uri="{FF2B5EF4-FFF2-40B4-BE49-F238E27FC236}">
-                  <a16:creationId xmlns:a16="http://schemas.microsoft.com/office/drawing/2014/main" id="{B94FC6A4-8164-4BD5-AD8B-572F4C19FAC2}"/>
-                </a:ext>
-              </a:extLst>
-            </p:cNvPr>
-            <p:cNvSpPr/>
-            <p:nvPr/>
-          </p:nvSpPr>
-          <p:spPr>
-            <a:xfrm rot="10800000">
-              <a:off x="7513674" y="3670918"/>
-              <a:ext cx="3111795" cy="2027274"/>
-            </a:xfrm>
-            <a:prstGeom prst="circularArrow">
-              <a:avLst>
-                <a:gd name="adj1" fmla="val 6413"/>
-                <a:gd name="adj2" fmla="val 1142319"/>
-                <a:gd name="adj3" fmla="val 20588446"/>
-                <a:gd name="adj4" fmla="val 10800000"/>
-                <a:gd name="adj5" fmla="val 12500"/>
-              </a:avLst>
-            </a:prstGeom>
-            <a:gradFill>
-              <a:gsLst>
-                <a:gs pos="0">
-                  <a:schemeClr val="accent1"/>
-                </a:gs>
-                <a:gs pos="100000">
-                  <a:srgbClr val="0070C0"/>
-                </a:gs>
-              </a:gsLst>
-              <a:lin ang="0" scaled="1"/>
-            </a:gradFill>
-          </p:spPr>
-          <p:style>
-            <a:lnRef idx="2">
-              <a:schemeClr val="accent5">
-                <a:shade val="50000"/>
-              </a:schemeClr>
-            </a:lnRef>
-            <a:fillRef idx="1">
-              <a:schemeClr val="accent5"/>
-            </a:fillRef>
-            <a:effectRef idx="0">
-              <a:schemeClr val="accent5"/>
-            </a:effectRef>
-            <a:fontRef idx="minor">
-              <a:schemeClr val="lt1"/>
-            </a:fontRef>
-          </p:style>
-          <p:txBody>
-            <a:bodyPr rtlCol="0" anchor="ctr"/>
-            <a:lstStyle/>
-            <a:p>
-              <a:pPr algn="ctr"/>
-              <a:endParaRPr lang="de-DE" dirty="0">
-                <a:solidFill>
-                  <a:schemeClr val="tx1"/>
-                </a:solidFill>
-              </a:endParaRPr>
-            </a:p>
-          </p:txBody>
-        </p:sp>
-        <mc:AlternateContent xmlns:mc="http://schemas.openxmlformats.org/markup-compatibility/2006" xmlns:a14="http://schemas.microsoft.com/office/drawing/2010/main">
-          <mc:Choice Requires="a14">
-            <p:sp>
-              <p:nvSpPr>
-                <p:cNvPr id="9" name="Textfeld 8">
-                  <a:extLst>
-                    <a:ext uri="{FF2B5EF4-FFF2-40B4-BE49-F238E27FC236}">
-                      <a16:creationId xmlns:a16="http://schemas.microsoft.com/office/drawing/2014/main" id="{8517C66A-5BDE-4407-8E29-2AED982540DB}"/>
-                    </a:ext>
-                  </a:extLst>
-                </p:cNvPr>
-                <p:cNvSpPr txBox="1"/>
-                <p:nvPr/>
-              </p:nvSpPr>
-              <p:spPr>
-                <a:xfrm>
-                  <a:off x="8708499" y="2682851"/>
-                  <a:ext cx="631904" cy="369332"/>
-                </a:xfrm>
-                <a:prstGeom prst="rect">
-                  <a:avLst/>
-                </a:prstGeom>
-                <a:noFill/>
-              </p:spPr>
-              <p:txBody>
-                <a:bodyPr wrap="none" rtlCol="0">
-                  <a:spAutoFit/>
-                </a:bodyPr>
-                <a:lstStyle/>
-                <a:p>
-                  <a:pPr/>
-                  <a14:m>
-                    <m:oMathPara xmlns:m="http://schemas.openxmlformats.org/officeDocument/2006/math">
-                      <m:oMathParaPr>
-                        <m:jc m:val="centerGroup"/>
-                      </m:oMathParaPr>
-                      <m:oMath xmlns:m="http://schemas.openxmlformats.org/officeDocument/2006/math">
-                        <m:r>
-                          <a:rPr lang="en-US" b="1" i="1" smtClean="0">
-                            <a:latin typeface="Cambria Math" panose="02040503050406030204" pitchFamily="18" charset="0"/>
-                          </a:rPr>
-                          <m:t>𝜷</m:t>
-                        </m:r>
-                        <m:r>
-                          <a:rPr lang="en-US" b="0" i="1" smtClean="0">
-                            <a:latin typeface="Cambria Math" panose="02040503050406030204" pitchFamily="18" charset="0"/>
-                          </a:rPr>
-                          <m:t>, </m:t>
-                        </m:r>
-                        <m:r>
-                          <a:rPr lang="en-US" b="1" i="1" smtClean="0">
-                            <a:latin typeface="Cambria Math" panose="02040503050406030204" pitchFamily="18" charset="0"/>
-                          </a:rPr>
-                          <m:t>𝜸</m:t>
-                        </m:r>
-                      </m:oMath>
-                    </m:oMathPara>
-                  </a14:m>
-                  <a:endParaRPr lang="de-DE" b="1" dirty="0"/>
-                </a:p>
-              </p:txBody>
-            </p:sp>
-          </mc:Choice>
-          <mc:Fallback xmlns="">
-            <p:sp>
-              <p:nvSpPr>
-                <p:cNvPr id="9" name="Textfeld 8">
-                  <a:extLst>
-                    <a:ext uri="{FF2B5EF4-FFF2-40B4-BE49-F238E27FC236}">
-                      <a16:creationId xmlns:a16="http://schemas.microsoft.com/office/drawing/2014/main" id="{8517C66A-5BDE-4407-8E29-2AED982540DB}"/>
-                    </a:ext>
-                  </a:extLst>
-                </p:cNvPr>
-                <p:cNvSpPr txBox="1">
-                  <a:spLocks noRot="1" noChangeAspect="1" noMove="1" noResize="1" noEditPoints="1" noAdjustHandles="1" noChangeArrowheads="1" noChangeShapeType="1" noTextEdit="1"/>
-                </p:cNvSpPr>
-                <p:nvPr/>
-              </p:nvSpPr>
-              <p:spPr>
-                <a:xfrm>
-                  <a:off x="8708499" y="2682851"/>
-                  <a:ext cx="631904" cy="369332"/>
-                </a:xfrm>
-                <a:prstGeom prst="rect">
-                  <a:avLst/>
-                </a:prstGeom>
-                <a:blipFill>
-                  <a:blip r:embed="rId6"/>
-                  <a:stretch>
-                    <a:fillRect b="-14754"/>
-                  </a:stretch>
-                </a:blipFill>
-              </p:spPr>
-              <p:txBody>
-                <a:bodyPr/>
-                <a:lstStyle/>
-                <a:p>
-                  <a:r>
-                    <a:rPr lang="de-DE">
-                      <a:noFill/>
-                    </a:rPr>
-                    <a:t> </a:t>
-                  </a:r>
-                </a:p>
-              </p:txBody>
-            </p:sp>
-          </mc:Fallback>
-        </mc:AlternateContent>
-        <mc:AlternateContent xmlns:mc="http://schemas.openxmlformats.org/markup-compatibility/2006" xmlns:a14="http://schemas.microsoft.com/office/drawing/2010/main">
-          <mc:Choice Requires="a14">
-            <p:sp>
-              <p:nvSpPr>
-                <p:cNvPr id="10" name="Textfeld 9">
-                  <a:extLst>
-                    <a:ext uri="{FF2B5EF4-FFF2-40B4-BE49-F238E27FC236}">
-                      <a16:creationId xmlns:a16="http://schemas.microsoft.com/office/drawing/2014/main" id="{46602031-495D-47D1-85A0-3B6A97D9C89A}"/>
-                    </a:ext>
-                  </a:extLst>
-                </p:cNvPr>
-                <p:cNvSpPr txBox="1"/>
-                <p:nvPr/>
-              </p:nvSpPr>
-              <p:spPr>
-                <a:xfrm>
-                  <a:off x="8581168" y="4852426"/>
-                  <a:ext cx="976806" cy="369332"/>
-                </a:xfrm>
-                <a:prstGeom prst="rect">
-                  <a:avLst/>
-                </a:prstGeom>
-                <a:noFill/>
-              </p:spPr>
-              <p:txBody>
-                <a:bodyPr wrap="none" rtlCol="0">
-                  <a:spAutoFit/>
-                </a:bodyPr>
-                <a:lstStyle/>
-                <a:p>
-                  <a:pPr/>
-                  <a14:m>
-                    <m:oMathPara xmlns:m="http://schemas.openxmlformats.org/officeDocument/2006/math">
-                      <m:oMathParaPr>
-                        <m:jc m:val="centerGroup"/>
-                      </m:oMathParaPr>
-                      <m:oMath xmlns:m="http://schemas.openxmlformats.org/officeDocument/2006/math">
-                        <m:r>
-                          <a:rPr lang="en-US" b="0" i="1" smtClean="0">
-                            <a:latin typeface="Cambria Math" panose="02040503050406030204" pitchFamily="18" charset="0"/>
-                          </a:rPr>
-                          <m:t>𝐸</m:t>
-                        </m:r>
-                        <m:d>
-                          <m:dPr>
-                            <m:ctrlPr>
-                              <a:rPr lang="en-US" b="0" i="1" smtClean="0">
-                                <a:latin typeface="Cambria Math" panose="02040503050406030204" pitchFamily="18" charset="0"/>
-                              </a:rPr>
-                            </m:ctrlPr>
-                          </m:dPr>
-                          <m:e>
-                            <m:r>
-                              <a:rPr lang="en-US" b="1" i="1" smtClean="0">
-                                <a:latin typeface="Cambria Math" panose="02040503050406030204" pitchFamily="18" charset="0"/>
-                              </a:rPr>
-                              <m:t>𝜷</m:t>
-                            </m:r>
-                            <m:r>
-                              <a:rPr lang="en-US" b="0" i="1" smtClean="0">
-                                <a:latin typeface="Cambria Math" panose="02040503050406030204" pitchFamily="18" charset="0"/>
-                              </a:rPr>
-                              <m:t>,</m:t>
-                            </m:r>
-                            <m:r>
-                              <a:rPr lang="en-US" b="1" i="1" smtClean="0">
-                                <a:latin typeface="Cambria Math" panose="02040503050406030204" pitchFamily="18" charset="0"/>
-                              </a:rPr>
-                              <m:t>𝜸</m:t>
-                            </m:r>
-                          </m:e>
-                        </m:d>
-                      </m:oMath>
-                    </m:oMathPara>
-                  </a14:m>
-                  <a:endParaRPr lang="de-DE" dirty="0"/>
-                </a:p>
-              </p:txBody>
-            </p:sp>
-          </mc:Choice>
-          <mc:Fallback xmlns="">
-            <p:sp>
-              <p:nvSpPr>
-                <p:cNvPr id="10" name="Textfeld 9">
-                  <a:extLst>
-                    <a:ext uri="{FF2B5EF4-FFF2-40B4-BE49-F238E27FC236}">
-                      <a16:creationId xmlns:a16="http://schemas.microsoft.com/office/drawing/2014/main" id="{46602031-495D-47D1-85A0-3B6A97D9C89A}"/>
-                    </a:ext>
-                  </a:extLst>
-                </p:cNvPr>
-                <p:cNvSpPr txBox="1">
-                  <a:spLocks noRot="1" noChangeAspect="1" noMove="1" noResize="1" noEditPoints="1" noAdjustHandles="1" noChangeArrowheads="1" noChangeShapeType="1" noTextEdit="1"/>
-                </p:cNvSpPr>
-                <p:nvPr/>
-              </p:nvSpPr>
-              <p:spPr>
-                <a:xfrm>
-                  <a:off x="8581168" y="4852426"/>
-                  <a:ext cx="976806" cy="369332"/>
-                </a:xfrm>
-                <a:prstGeom prst="rect">
-                  <a:avLst/>
-                </a:prstGeom>
-                <a:blipFill>
-                  <a:blip r:embed="rId7"/>
-                  <a:stretch>
-                    <a:fillRect b="-14754"/>
-                  </a:stretch>
-                </a:blipFill>
-              </p:spPr>
-              <p:txBody>
-                <a:bodyPr/>
-                <a:lstStyle/>
-                <a:p>
-                  <a:r>
-                    <a:rPr lang="de-DE">
-                      <a:noFill/>
-                    </a:rPr>
-                    <a:t> </a:t>
-                  </a:r>
-                </a:p>
-              </p:txBody>
-            </p:sp>
-          </mc:Fallback>
-        </mc:AlternateContent>
-      </p:grpSp>
+                  </m:oMathPara>
+                </a14:m>
+                <a:endParaRPr lang="de-DE" dirty="0"/>
+              </a:p>
+            </p:txBody>
+          </p:sp>
+        </mc:Choice>
+        <mc:Fallback>
+          <p:sp>
+            <p:nvSpPr>
+              <p:cNvPr id="10" name="Textfeld 9">
+                <a:extLst>
+                  <a:ext uri="{FF2B5EF4-FFF2-40B4-BE49-F238E27FC236}">
+                    <a16:creationId xmlns:a16="http://schemas.microsoft.com/office/drawing/2014/main" id="{46602031-495D-47D1-85A0-3B6A97D9C89A}"/>
+                  </a:ext>
+                </a:extLst>
+              </p:cNvPr>
+              <p:cNvSpPr txBox="1">
+                <a:spLocks noRot="1" noChangeAspect="1" noMove="1" noResize="1" noEditPoints="1" noAdjustHandles="1" noChangeArrowheads="1" noChangeShapeType="1" noTextEdit="1"/>
+              </p:cNvSpPr>
+              <p:nvPr/>
+            </p:nvSpPr>
+            <p:spPr>
+              <a:xfrm>
+                <a:off x="8378001" y="3409519"/>
+                <a:ext cx="976806" cy="369332"/>
+              </a:xfrm>
+              <a:prstGeom prst="rect">
+                <a:avLst/>
+              </a:prstGeom>
+              <a:blipFill>
+                <a:blip r:embed="rId7"/>
+                <a:stretch>
+                  <a:fillRect b="-14754"/>
+                </a:stretch>
+              </a:blipFill>
+            </p:spPr>
+            <p:txBody>
+              <a:bodyPr/>
+              <a:lstStyle/>
+              <a:p>
+                <a:r>
+                  <a:rPr lang="de-DE">
+                    <a:noFill/>
+                  </a:rPr>
+                  <a:t> </a:t>
+                </a:r>
+              </a:p>
+            </p:txBody>
+          </p:sp>
+        </mc:Fallback>
+      </mc:AlternateContent>
     </p:spTree>
     <p:extLst>
       <p:ext uri="{BB962C8B-B14F-4D97-AF65-F5344CB8AC3E}">
         <p14:creationId xmlns:p14="http://schemas.microsoft.com/office/powerpoint/2010/main" val="2333711285"/>
+      </p:ext>
+    </p:extLst>
+  </p:cSld>
+  <p:clrMapOvr>
+    <a:masterClrMapping/>
+  </p:clrMapOvr>
+  <p:timing>
+    <p:tnLst>
+      <p:par>
+        <p:cTn id="1" dur="indefinite" restart="never" nodeType="tmRoot">
+          <p:childTnLst>
+            <p:seq concurrent="1" nextAc="seek">
+              <p:cTn id="2" dur="indefinite" nodeType="mainSeq">
+                <p:childTnLst>
+                  <p:par>
+                    <p:cTn id="3" fill="hold">
+                      <p:stCondLst>
+                        <p:cond delay="indefinite"/>
+                      </p:stCondLst>
+                      <p:childTnLst>
+                        <p:par>
+                          <p:cTn id="4" fill="hold">
+                            <p:stCondLst>
+                              <p:cond delay="0"/>
+                            </p:stCondLst>
+                            <p:childTnLst>
+                              <p:par>
+                                <p:cTn id="5" presetID="1" presetClass="entr" presetSubtype="0" fill="hold" nodeType="clickEffect">
+                                  <p:stCondLst>
+                                    <p:cond delay="0"/>
+                                  </p:stCondLst>
+                                  <p:childTnLst>
+                                    <p:set>
+                                      <p:cBhvr>
+                                        <p:cTn id="6" dur="1" fill="hold">
+                                          <p:stCondLst>
+                                            <p:cond delay="0"/>
+                                          </p:stCondLst>
+                                        </p:cTn>
+                                        <p:tgtEl>
+                                          <p:spTgt spid="3">
+                                            <p:txEl>
+                                              <p:pRg st="0" end="0"/>
+                                            </p:txEl>
+                                          </p:spTgt>
+                                        </p:tgtEl>
+                                        <p:attrNameLst>
+                                          <p:attrName>style.visibility</p:attrName>
+                                        </p:attrNameLst>
+                                      </p:cBhvr>
+                                      <p:to>
+                                        <p:strVal val="visible"/>
+                                      </p:to>
+                                    </p:set>
+                                  </p:childTnLst>
+                                </p:cTn>
+                              </p:par>
+                              <p:par>
+                                <p:cTn id="7" presetID="1" presetClass="entr" presetSubtype="0" fill="hold" nodeType="withEffect">
+                                  <p:stCondLst>
+                                    <p:cond delay="0"/>
+                                  </p:stCondLst>
+                                  <p:childTnLst>
+                                    <p:set>
+                                      <p:cBhvr>
+                                        <p:cTn id="8" dur="1" fill="hold">
+                                          <p:stCondLst>
+                                            <p:cond delay="0"/>
+                                          </p:stCondLst>
+                                        </p:cTn>
+                                        <p:tgtEl>
+                                          <p:spTgt spid="3">
+                                            <p:txEl>
+                                              <p:pRg st="1" end="1"/>
+                                            </p:txEl>
+                                          </p:spTgt>
+                                        </p:tgtEl>
+                                        <p:attrNameLst>
+                                          <p:attrName>style.visibility</p:attrName>
+                                        </p:attrNameLst>
+                                      </p:cBhvr>
+                                      <p:to>
+                                        <p:strVal val="visible"/>
+                                      </p:to>
+                                    </p:set>
+                                  </p:childTnLst>
+                                </p:cTn>
+                              </p:par>
+                              <p:par>
+                                <p:cTn id="9" presetID="1" presetClass="entr" presetSubtype="0" fill="hold" grpId="0" nodeType="withEffect">
+                                  <p:stCondLst>
+                                    <p:cond delay="0"/>
+                                  </p:stCondLst>
+                                  <p:childTnLst>
+                                    <p:set>
+                                      <p:cBhvr>
+                                        <p:cTn id="10" dur="1" fill="hold">
+                                          <p:stCondLst>
+                                            <p:cond delay="0"/>
+                                          </p:stCondLst>
+                                        </p:cTn>
+                                        <p:tgtEl>
+                                          <p:spTgt spid="5"/>
+                                        </p:tgtEl>
+                                        <p:attrNameLst>
+                                          <p:attrName>style.visibility</p:attrName>
+                                        </p:attrNameLst>
+                                      </p:cBhvr>
+                                      <p:to>
+                                        <p:strVal val="visible"/>
+                                      </p:to>
+                                    </p:set>
+                                  </p:childTnLst>
+                                </p:cTn>
+                              </p:par>
+                            </p:childTnLst>
+                          </p:cTn>
+                        </p:par>
+                      </p:childTnLst>
+                    </p:cTn>
+                  </p:par>
+                  <p:par>
+                    <p:cTn id="11" fill="hold">
+                      <p:stCondLst>
+                        <p:cond delay="indefinite"/>
+                      </p:stCondLst>
+                      <p:childTnLst>
+                        <p:par>
+                          <p:cTn id="12" fill="hold">
+                            <p:stCondLst>
+                              <p:cond delay="0"/>
+                            </p:stCondLst>
+                            <p:childTnLst>
+                              <p:par>
+                                <p:cTn id="13" presetID="1" presetClass="entr" presetSubtype="0" fill="hold" nodeType="clickEffect">
+                                  <p:stCondLst>
+                                    <p:cond delay="0"/>
+                                  </p:stCondLst>
+                                  <p:childTnLst>
+                                    <p:set>
+                                      <p:cBhvr>
+                                        <p:cTn id="14" dur="1" fill="hold">
+                                          <p:stCondLst>
+                                            <p:cond delay="0"/>
+                                          </p:stCondLst>
+                                        </p:cTn>
+                                        <p:tgtEl>
+                                          <p:spTgt spid="3">
+                                            <p:txEl>
+                                              <p:pRg st="2" end="2"/>
+                                            </p:txEl>
+                                          </p:spTgt>
+                                        </p:tgtEl>
+                                        <p:attrNameLst>
+                                          <p:attrName>style.visibility</p:attrName>
+                                        </p:attrNameLst>
+                                      </p:cBhvr>
+                                      <p:to>
+                                        <p:strVal val="visible"/>
+                                      </p:to>
+                                    </p:set>
+                                  </p:childTnLst>
+                                </p:cTn>
+                              </p:par>
+                              <p:par>
+                                <p:cTn id="15" presetID="1" presetClass="entr" presetSubtype="0" fill="hold" grpId="0" nodeType="withEffect">
+                                  <p:stCondLst>
+                                    <p:cond delay="0"/>
+                                  </p:stCondLst>
+                                  <p:childTnLst>
+                                    <p:set>
+                                      <p:cBhvr>
+                                        <p:cTn id="16" dur="1" fill="hold">
+                                          <p:stCondLst>
+                                            <p:cond delay="0"/>
+                                          </p:stCondLst>
+                                        </p:cTn>
+                                        <p:tgtEl>
+                                          <p:spTgt spid="9"/>
+                                        </p:tgtEl>
+                                        <p:attrNameLst>
+                                          <p:attrName>style.visibility</p:attrName>
+                                        </p:attrNameLst>
+                                      </p:cBhvr>
+                                      <p:to>
+                                        <p:strVal val="visible"/>
+                                      </p:to>
+                                    </p:set>
+                                  </p:childTnLst>
+                                </p:cTn>
+                              </p:par>
+                              <p:par>
+                                <p:cTn id="17" presetID="1" presetClass="entr" presetSubtype="0" fill="hold" grpId="0" nodeType="withEffect">
+                                  <p:stCondLst>
+                                    <p:cond delay="0"/>
+                                  </p:stCondLst>
+                                  <p:childTnLst>
+                                    <p:set>
+                                      <p:cBhvr>
+                                        <p:cTn id="18" dur="1" fill="hold">
+                                          <p:stCondLst>
+                                            <p:cond delay="0"/>
+                                          </p:stCondLst>
+                                        </p:cTn>
+                                        <p:tgtEl>
+                                          <p:spTgt spid="7"/>
+                                        </p:tgtEl>
+                                        <p:attrNameLst>
+                                          <p:attrName>style.visibility</p:attrName>
+                                        </p:attrNameLst>
+                                      </p:cBhvr>
+                                      <p:to>
+                                        <p:strVal val="visible"/>
+                                      </p:to>
+                                    </p:set>
+                                  </p:childTnLst>
+                                </p:cTn>
+                              </p:par>
+                              <p:par>
+                                <p:cTn id="19" presetID="1" presetClass="entr" presetSubtype="0" fill="hold" grpId="0" nodeType="withEffect">
+                                  <p:stCondLst>
+                                    <p:cond delay="0"/>
+                                  </p:stCondLst>
+                                  <p:childTnLst>
+                                    <p:set>
+                                      <p:cBhvr>
+                                        <p:cTn id="20" dur="1" fill="hold">
+                                          <p:stCondLst>
+                                            <p:cond delay="0"/>
+                                          </p:stCondLst>
+                                        </p:cTn>
+                                        <p:tgtEl>
+                                          <p:spTgt spid="6"/>
+                                        </p:tgtEl>
+                                        <p:attrNameLst>
+                                          <p:attrName>style.visibility</p:attrName>
+                                        </p:attrNameLst>
+                                      </p:cBhvr>
+                                      <p:to>
+                                        <p:strVal val="visible"/>
+                                      </p:to>
+                                    </p:set>
+                                  </p:childTnLst>
+                                </p:cTn>
+                              </p:par>
+                            </p:childTnLst>
+                          </p:cTn>
+                        </p:par>
+                      </p:childTnLst>
+                    </p:cTn>
+                  </p:par>
+                  <p:par>
+                    <p:cTn id="21" fill="hold">
+                      <p:stCondLst>
+                        <p:cond delay="indefinite"/>
+                      </p:stCondLst>
+                      <p:childTnLst>
+                        <p:par>
+                          <p:cTn id="22" fill="hold">
+                            <p:stCondLst>
+                              <p:cond delay="0"/>
+                            </p:stCondLst>
+                            <p:childTnLst>
+                              <p:par>
+                                <p:cTn id="23" presetID="1" presetClass="entr" presetSubtype="0" fill="hold" nodeType="clickEffect">
+                                  <p:stCondLst>
+                                    <p:cond delay="0"/>
+                                  </p:stCondLst>
+                                  <p:childTnLst>
+                                    <p:set>
+                                      <p:cBhvr>
+                                        <p:cTn id="24" dur="1" fill="hold">
+                                          <p:stCondLst>
+                                            <p:cond delay="0"/>
+                                          </p:stCondLst>
+                                        </p:cTn>
+                                        <p:tgtEl>
+                                          <p:spTgt spid="3">
+                                            <p:txEl>
+                                              <p:pRg st="3" end="3"/>
+                                            </p:txEl>
+                                          </p:spTgt>
+                                        </p:tgtEl>
+                                        <p:attrNameLst>
+                                          <p:attrName>style.visibility</p:attrName>
+                                        </p:attrNameLst>
+                                      </p:cBhvr>
+                                      <p:to>
+                                        <p:strVal val="visible"/>
+                                      </p:to>
+                                    </p:set>
+                                  </p:childTnLst>
+                                </p:cTn>
+                              </p:par>
+                              <p:par>
+                                <p:cTn id="25" presetID="1" presetClass="entr" presetSubtype="0" fill="hold" grpId="0" nodeType="withEffect">
+                                  <p:stCondLst>
+                                    <p:cond delay="0"/>
+                                  </p:stCondLst>
+                                  <p:childTnLst>
+                                    <p:set>
+                                      <p:cBhvr>
+                                        <p:cTn id="26" dur="1" fill="hold">
+                                          <p:stCondLst>
+                                            <p:cond delay="0"/>
+                                          </p:stCondLst>
+                                        </p:cTn>
+                                        <p:tgtEl>
+                                          <p:spTgt spid="10"/>
+                                        </p:tgtEl>
+                                        <p:attrNameLst>
+                                          <p:attrName>style.visibility</p:attrName>
+                                        </p:attrNameLst>
+                                      </p:cBhvr>
+                                      <p:to>
+                                        <p:strVal val="visible"/>
+                                      </p:to>
+                                    </p:set>
+                                  </p:childTnLst>
+                                </p:cTn>
+                              </p:par>
+                              <p:par>
+                                <p:cTn id="27" presetID="1" presetClass="entr" presetSubtype="0" fill="hold" grpId="0" nodeType="withEffect">
+                                  <p:stCondLst>
+                                    <p:cond delay="0"/>
+                                  </p:stCondLst>
+                                  <p:childTnLst>
+                                    <p:set>
+                                      <p:cBhvr>
+                                        <p:cTn id="28" dur="1" fill="hold">
+                                          <p:stCondLst>
+                                            <p:cond delay="0"/>
+                                          </p:stCondLst>
+                                        </p:cTn>
+                                        <p:tgtEl>
+                                          <p:spTgt spid="8"/>
+                                        </p:tgtEl>
+                                        <p:attrNameLst>
+                                          <p:attrName>style.visibility</p:attrName>
+                                        </p:attrNameLst>
+                                      </p:cBhvr>
+                                      <p:to>
+                                        <p:strVal val="visible"/>
+                                      </p:to>
+                                    </p:set>
+                                  </p:childTnLst>
+                                </p:cTn>
+                              </p:par>
+                            </p:childTnLst>
+                          </p:cTn>
+                        </p:par>
+                      </p:childTnLst>
+                    </p:cTn>
+                  </p:par>
+                  <p:par>
+                    <p:cTn id="29" fill="hold">
+                      <p:stCondLst>
+                        <p:cond delay="indefinite"/>
+                      </p:stCondLst>
+                      <p:childTnLst>
+                        <p:par>
+                          <p:cTn id="30" fill="hold">
+                            <p:stCondLst>
+                              <p:cond delay="0"/>
+                            </p:stCondLst>
+                            <p:childTnLst>
+                              <p:par>
+                                <p:cTn id="31" presetID="1" presetClass="entr" presetSubtype="0" fill="hold" nodeType="clickEffect">
+                                  <p:stCondLst>
+                                    <p:cond delay="0"/>
+                                  </p:stCondLst>
+                                  <p:childTnLst>
+                                    <p:set>
+                                      <p:cBhvr>
+                                        <p:cTn id="32" dur="1" fill="hold">
+                                          <p:stCondLst>
+                                            <p:cond delay="0"/>
+                                          </p:stCondLst>
+                                        </p:cTn>
+                                        <p:tgtEl>
+                                          <p:spTgt spid="3">
+                                            <p:txEl>
+                                              <p:pRg st="4" end="4"/>
+                                            </p:txEl>
+                                          </p:spTgt>
+                                        </p:tgtEl>
+                                        <p:attrNameLst>
+                                          <p:attrName>style.visibility</p:attrName>
+                                        </p:attrNameLst>
+                                      </p:cBhvr>
+                                      <p:to>
+                                        <p:strVal val="visible"/>
+                                      </p:to>
+                                    </p:set>
+                                  </p:childTnLst>
+                                </p:cTn>
+                              </p:par>
+                            </p:childTnLst>
+                          </p:cTn>
+                        </p:par>
+                      </p:childTnLst>
+                    </p:cTn>
+                  </p:par>
+                  <p:par>
+                    <p:cTn id="33" fill="hold">
+                      <p:stCondLst>
+                        <p:cond delay="indefinite"/>
+                      </p:stCondLst>
+                      <p:childTnLst>
+                        <p:par>
+                          <p:cTn id="34" fill="hold">
+                            <p:stCondLst>
+                              <p:cond delay="0"/>
+                            </p:stCondLst>
+                            <p:childTnLst>
+                              <p:par>
+                                <p:cTn id="35" presetID="1" presetClass="entr" presetSubtype="0" fill="hold" nodeType="clickEffect">
+                                  <p:stCondLst>
+                                    <p:cond delay="0"/>
+                                  </p:stCondLst>
+                                  <p:childTnLst>
+                                    <p:set>
+                                      <p:cBhvr>
+                                        <p:cTn id="36" dur="1" fill="hold">
+                                          <p:stCondLst>
+                                            <p:cond delay="0"/>
+                                          </p:stCondLst>
+                                        </p:cTn>
+                                        <p:tgtEl>
+                                          <p:spTgt spid="3">
+                                            <p:txEl>
+                                              <p:pRg st="5" end="5"/>
+                                            </p:txEl>
+                                          </p:spTgt>
+                                        </p:tgtEl>
+                                        <p:attrNameLst>
+                                          <p:attrName>style.visibility</p:attrName>
+                                        </p:attrNameLst>
+                                      </p:cBhvr>
+                                      <p:to>
+                                        <p:strVal val="visible"/>
+                                      </p:to>
+                                    </p:set>
+                                  </p:childTnLst>
+                                </p:cTn>
+                              </p:par>
+                              <p:par>
+                                <p:cTn id="37" presetID="1" presetClass="entr" presetSubtype="0" fill="hold" nodeType="withEffect">
+                                  <p:stCondLst>
+                                    <p:cond delay="0"/>
+                                  </p:stCondLst>
+                                  <p:childTnLst>
+                                    <p:set>
+                                      <p:cBhvr>
+                                        <p:cTn id="38" dur="1" fill="hold">
+                                          <p:stCondLst>
+                                            <p:cond delay="0"/>
+                                          </p:stCondLst>
+                                        </p:cTn>
+                                        <p:tgtEl>
+                                          <p:spTgt spid="14"/>
+                                        </p:tgtEl>
+                                        <p:attrNameLst>
+                                          <p:attrName>style.visibility</p:attrName>
+                                        </p:attrNameLst>
+                                      </p:cBhvr>
+                                      <p:to>
+                                        <p:strVal val="visible"/>
+                                      </p:to>
+                                    </p:set>
+                                  </p:childTnLst>
+                                </p:cTn>
+                              </p:par>
+                            </p:childTnLst>
+                          </p:cTn>
+                        </p:par>
+                      </p:childTnLst>
+                    </p:cTn>
+                  </p:par>
+                </p:childTnLst>
+              </p:cTn>
+              <p:prevCondLst>
+                <p:cond evt="onPrev" delay="0">
+                  <p:tgtEl>
+                    <p:sldTgt/>
+                  </p:tgtEl>
+                </p:cond>
+              </p:prevCondLst>
+              <p:nextCondLst>
+                <p:cond evt="onNext" delay="0">
+                  <p:tgtEl>
+                    <p:sldTgt/>
+                  </p:tgtEl>
+                </p:cond>
+              </p:nextCondLst>
+            </p:seq>
+          </p:childTnLst>
+        </p:cTn>
+      </p:par>
+    </p:tnLst>
+    <p:bldLst>
+      <p:bldP spid="5" grpId="0" animBg="1"/>
+      <p:bldP spid="6" grpId="0" animBg="1"/>
+      <p:bldP spid="7" grpId="0" animBg="1"/>
+      <p:bldP spid="8" grpId="0" animBg="1"/>
+      <p:bldP spid="9" grpId="0"/>
+      <p:bldP spid="10" grpId="0"/>
+    </p:bldLst>
+  </p:timing>
+</p:sld>
+</file>
+
+<file path=ppt/slides/slide13.xml><?xml version="1.0" encoding="utf-8"?>
+<p:sld xmlns:a="http://schemas.openxmlformats.org/drawingml/2006/main" xmlns:r="http://schemas.openxmlformats.org/officeDocument/2006/relationships" xmlns:p="http://schemas.openxmlformats.org/presentationml/2006/main">
+  <p:cSld>
+    <p:spTree>
+      <p:nvGrpSpPr>
+        <p:cNvPr id="1" name=""/>
+        <p:cNvGrpSpPr/>
+        <p:nvPr/>
+      </p:nvGrpSpPr>
+      <p:grpSpPr>
+        <a:xfrm>
+          <a:off x="0" y="0"/>
+          <a:ext cx="0" cy="0"/>
+          <a:chOff x="0" y="0"/>
+          <a:chExt cx="0" cy="0"/>
+        </a:xfrm>
+      </p:grpSpPr>
+      <p:sp>
+        <p:nvSpPr>
+          <p:cNvPr id="2" name="Titel 1">
+            <a:extLst>
+              <a:ext uri="{FF2B5EF4-FFF2-40B4-BE49-F238E27FC236}">
+                <a16:creationId xmlns:a16="http://schemas.microsoft.com/office/drawing/2014/main" id="{9DC64EC4-67A8-40F3-A4A9-6A495D8A51A7}"/>
+              </a:ext>
+            </a:extLst>
+          </p:cNvPr>
+          <p:cNvSpPr>
+            <a:spLocks noGrp="1"/>
+          </p:cNvSpPr>
+          <p:nvPr>
+            <p:ph type="title"/>
+          </p:nvPr>
+        </p:nvSpPr>
+        <p:spPr/>
+        <p:txBody>
+          <a:bodyPr/>
+          <a:lstStyle/>
+          <a:p>
+            <a:r>
+              <a:rPr lang="de-DE" dirty="0"/>
+              <a:t>potential and </a:t>
+            </a:r>
+            <a:r>
+              <a:rPr lang="de-DE" dirty="0" err="1"/>
+              <a:t>outlook</a:t>
+            </a:r>
+            <a:endParaRPr lang="de-DE" dirty="0"/>
+          </a:p>
+        </p:txBody>
+      </p:sp>
+      <p:sp>
+        <p:nvSpPr>
+          <p:cNvPr id="3" name="Inhaltsplatzhalter 2">
+            <a:extLst>
+              <a:ext uri="{FF2B5EF4-FFF2-40B4-BE49-F238E27FC236}">
+                <a16:creationId xmlns:a16="http://schemas.microsoft.com/office/drawing/2014/main" id="{4B9236D8-69E9-4AA3-875C-54AF7A0E09DB}"/>
+              </a:ext>
+            </a:extLst>
+          </p:cNvPr>
+          <p:cNvSpPr>
+            <a:spLocks noGrp="1"/>
+          </p:cNvSpPr>
+          <p:nvPr>
+            <p:ph sz="half" idx="1"/>
+          </p:nvPr>
+        </p:nvSpPr>
+        <p:spPr/>
+        <p:txBody>
+          <a:bodyPr/>
+          <a:lstStyle/>
+          <a:p>
+            <a:r>
+              <a:rPr lang="de-DE" dirty="0"/>
+              <a:t>Solution </a:t>
+            </a:r>
+            <a:r>
+              <a:rPr lang="de-DE" dirty="0" err="1"/>
+              <a:t>to</a:t>
+            </a:r>
+            <a:r>
+              <a:rPr lang="de-DE" dirty="0"/>
+              <a:t> </a:t>
+            </a:r>
+            <a:r>
+              <a:rPr lang="de-DE" dirty="0" err="1"/>
+              <a:t>many</a:t>
+            </a:r>
+            <a:r>
+              <a:rPr lang="de-DE" dirty="0"/>
+              <a:t> </a:t>
+            </a:r>
+            <a:r>
+              <a:rPr lang="de-DE" dirty="0" err="1"/>
+              <a:t>problems</a:t>
+            </a:r>
+            <a:endParaRPr lang="de-DE" dirty="0"/>
+          </a:p>
+          <a:p>
+            <a:r>
+              <a:rPr lang="de-DE" dirty="0"/>
+              <a:t>Outlook </a:t>
+            </a:r>
+            <a:r>
+              <a:rPr lang="de-DE" dirty="0" err="1"/>
+              <a:t>homework</a:t>
+            </a:r>
+            <a:r>
+              <a:rPr lang="de-DE" dirty="0"/>
+              <a:t>: </a:t>
+            </a:r>
+            <a:r>
+              <a:rPr lang="de-DE" dirty="0" err="1"/>
+              <a:t>max</a:t>
+            </a:r>
+            <a:r>
+              <a:rPr lang="de-DE" dirty="0"/>
+              <a:t> </a:t>
+            </a:r>
+            <a:r>
+              <a:rPr lang="de-DE" dirty="0" err="1"/>
+              <a:t>cut</a:t>
+            </a:r>
+            <a:r>
+              <a:rPr lang="de-DE" dirty="0"/>
+              <a:t> (</a:t>
+            </a:r>
+            <a:r>
+              <a:rPr lang="de-DE" dirty="0" err="1"/>
+              <a:t>right</a:t>
+            </a:r>
+            <a:r>
+              <a:rPr lang="de-DE" dirty="0"/>
+              <a:t>)</a:t>
+            </a:r>
+          </a:p>
+          <a:p>
+            <a:r>
+              <a:rPr lang="de-DE" dirty="0"/>
+              <a:t>Possible </a:t>
+            </a:r>
+            <a:r>
+              <a:rPr lang="de-DE" dirty="0" err="1"/>
+              <a:t>use</a:t>
+            </a:r>
+            <a:r>
+              <a:rPr lang="de-DE" dirty="0"/>
+              <a:t> </a:t>
+            </a:r>
+            <a:r>
+              <a:rPr lang="de-DE" dirty="0" err="1"/>
+              <a:t>of</a:t>
+            </a:r>
+            <a:r>
+              <a:rPr lang="de-DE" dirty="0"/>
+              <a:t> a </a:t>
+            </a:r>
+            <a:r>
+              <a:rPr lang="de-DE" dirty="0" err="1"/>
+              <a:t>quantum</a:t>
+            </a:r>
+            <a:r>
+              <a:rPr lang="de-DE" dirty="0"/>
+              <a:t> </a:t>
+            </a:r>
+            <a:r>
+              <a:rPr lang="de-DE" dirty="0" err="1"/>
+              <a:t>speedup</a:t>
+            </a:r>
+            <a:endParaRPr lang="de-DE" dirty="0"/>
+          </a:p>
+          <a:p>
+            <a:r>
+              <a:rPr lang="de-DE" dirty="0"/>
+              <a:t>More real </a:t>
+            </a:r>
+            <a:r>
+              <a:rPr lang="de-DE" dirty="0" err="1"/>
+              <a:t>life</a:t>
+            </a:r>
+            <a:r>
+              <a:rPr lang="de-DE" dirty="0"/>
+              <a:t> </a:t>
+            </a:r>
+            <a:r>
+              <a:rPr lang="de-DE" dirty="0" err="1"/>
+              <a:t>applications</a:t>
+            </a:r>
+            <a:r>
+              <a:rPr lang="de-DE" dirty="0"/>
+              <a:t> </a:t>
+            </a:r>
+            <a:r>
+              <a:rPr lang="de-DE" dirty="0" err="1"/>
+              <a:t>needed</a:t>
+            </a:r>
+            <a:r>
+              <a:rPr lang="de-DE" dirty="0"/>
+              <a:t> </a:t>
+            </a:r>
+            <a:r>
+              <a:rPr lang="de-DE" dirty="0" err="1"/>
+              <a:t>to</a:t>
+            </a:r>
+            <a:r>
+              <a:rPr lang="de-DE" dirty="0"/>
+              <a:t> </a:t>
+            </a:r>
+            <a:r>
+              <a:rPr lang="de-DE" dirty="0" err="1"/>
+              <a:t>proof</a:t>
+            </a:r>
+            <a:r>
+              <a:rPr lang="de-DE" dirty="0"/>
+              <a:t> </a:t>
+            </a:r>
+            <a:r>
+              <a:rPr lang="de-DE" dirty="0" err="1"/>
+              <a:t>speedup</a:t>
+            </a:r>
+            <a:endParaRPr lang="de-DE" dirty="0"/>
+          </a:p>
+          <a:p>
+            <a:endParaRPr lang="de-DE" dirty="0"/>
+          </a:p>
+        </p:txBody>
+      </p:sp>
+      <p:pic>
+        <p:nvPicPr>
+          <p:cNvPr id="6" name="Inhaltsplatzhalter 5">
+            <a:extLst>
+              <a:ext uri="{FF2B5EF4-FFF2-40B4-BE49-F238E27FC236}">
+                <a16:creationId xmlns:a16="http://schemas.microsoft.com/office/drawing/2014/main" id="{CB032A02-3CF8-47BD-84AA-B38E5FCD1D6D}"/>
+              </a:ext>
+            </a:extLst>
+          </p:cNvPr>
+          <p:cNvPicPr>
+            <a:picLocks noGrp="1" noChangeAspect="1"/>
+          </p:cNvPicPr>
+          <p:nvPr>
+            <p:ph sz="half" idx="2"/>
+          </p:nvPr>
+        </p:nvPicPr>
+        <p:blipFill>
+          <a:blip r:embed="rId2">
+            <a:extLst>
+              <a:ext uri="{28A0092B-C50C-407E-A947-70E740481C1C}">
+                <a14:useLocalDpi xmlns:a14="http://schemas.microsoft.com/office/drawing/2010/main" val="0"/>
+              </a:ext>
+            </a:extLst>
+          </a:blip>
+          <a:stretch>
+            <a:fillRect/>
+          </a:stretch>
+        </p:blipFill>
+        <p:spPr>
+          <a:xfrm>
+            <a:off x="7351712" y="2944019"/>
+            <a:ext cx="3324225" cy="2200275"/>
+          </a:xfrm>
+        </p:spPr>
+      </p:pic>
+    </p:spTree>
+    <p:extLst>
+      <p:ext uri="{BB962C8B-B14F-4D97-AF65-F5344CB8AC3E}">
+        <p14:creationId xmlns:p14="http://schemas.microsoft.com/office/powerpoint/2010/main" val="196446536"/>
       </p:ext>
     </p:extLst>
   </p:cSld>
@@ -9353,11 +10356,7 @@
                                           </p:stCondLst>
                                         </p:cTn>
                                         <p:tgtEl>
-                                          <p:spTgt spid="3">
-                                            <p:txEl>
-                                              <p:pRg st="2" end="2"/>
-                                            </p:txEl>
-                                          </p:spTgt>
+                                          <p:spTgt spid="6"/>
                                         </p:tgtEl>
                                         <p:attrNameLst>
                                           <p:attrName>style.visibility</p:attrName>
@@ -9389,7 +10388,7 @@
                             </p:stCondLst>
                             <p:childTnLst>
                               <p:par>
-                                <p:cTn id="15" presetID="1" presetClass="entr" presetSubtype="0" fill="hold" nodeType="clickEffect">
+                                <p:cTn id="15" presetID="1" presetClass="entr" presetSubtype="0" fill="hold" grpId="0" nodeType="clickEffect">
                                   <p:stCondLst>
                                     <p:cond delay="0"/>
                                   </p:stCondLst>
@@ -9404,7 +10403,7 @@
                                         <p:tgtEl>
                                           <p:spTgt spid="3">
                                             <p:txEl>
-                                              <p:pRg st="3" end="3"/>
+                                              <p:pRg st="2" end="2"/>
                                             </p:txEl>
                                           </p:spTgt>
                                         </p:tgtEl>
@@ -9438,7 +10437,7 @@
                             </p:stCondLst>
                             <p:childTnLst>
                               <p:par>
-                                <p:cTn id="19" presetID="1" presetClass="entr" presetSubtype="0" fill="hold" nodeType="clickEffect">
+                                <p:cTn id="19" presetID="1" presetClass="entr" presetSubtype="0" fill="hold" grpId="0" nodeType="clickEffect">
                                   <p:stCondLst>
                                     <p:cond delay="0"/>
                                   </p:stCondLst>
@@ -9453,486 +10452,7 @@
                                         <p:tgtEl>
                                           <p:spTgt spid="3">
                                             <p:txEl>
-                                              <p:pRg st="4" end="4"/>
-                                            </p:txEl>
-                                          </p:spTgt>
-                                        </p:tgtEl>
-                                        <p:attrNameLst>
-                                          <p:attrName>style.visibility</p:attrName>
-                                        </p:attrNameLst>
-                                      </p:cBhvr>
-                                      <p:to>
-                                        <p:strVal val="visible"/>
-                                      </p:to>
-                                    </p:set>
-                                  </p:childTnLst>
-                                </p:cTn>
-                              </p:par>
-                            </p:childTnLst>
-                          </p:cTn>
-                        </p:par>
-                      </p:childTnLst>
-                    </p:cTn>
-                  </p:par>
-                  <p:par>
-                    <p:cTn id="21" fill="hold">
-                      <p:stCondLst>
-                        <p:cond delay="indefinite"/>
-                      </p:stCondLst>
-                      <p:childTnLst>
-                        <p:par>
-                          <p:cTn id="22" fill="hold">
-                            <p:stCondLst>
-                              <p:cond delay="0"/>
-                            </p:stCondLst>
-                            <p:childTnLst>
-                              <p:par>
-                                <p:cTn id="23" presetID="1" presetClass="entr" presetSubtype="0" fill="hold" nodeType="clickEffect">
-                                  <p:stCondLst>
-                                    <p:cond delay="0"/>
-                                  </p:stCondLst>
-                                  <p:childTnLst>
-                                    <p:set>
-                                      <p:cBhvr>
-                                        <p:cTn id="24" dur="1" fill="hold">
-                                          <p:stCondLst>
-                                            <p:cond delay="0"/>
-                                          </p:stCondLst>
-                                        </p:cTn>
-                                        <p:tgtEl>
-                                          <p:spTgt spid="3">
-                                            <p:txEl>
-                                              <p:pRg st="5" end="5"/>
-                                            </p:txEl>
-                                          </p:spTgt>
-                                        </p:tgtEl>
-                                        <p:attrNameLst>
-                                          <p:attrName>style.visibility</p:attrName>
-                                        </p:attrNameLst>
-                                      </p:cBhvr>
-                                      <p:to>
-                                        <p:strVal val="visible"/>
-                                      </p:to>
-                                    </p:set>
-                                  </p:childTnLst>
-                                </p:cTn>
-                              </p:par>
-                              <p:par>
-                                <p:cTn id="25" presetID="1" presetClass="entr" presetSubtype="0" fill="hold" nodeType="withEffect">
-                                  <p:stCondLst>
-                                    <p:cond delay="0"/>
-                                  </p:stCondLst>
-                                  <p:childTnLst>
-                                    <p:set>
-                                      <p:cBhvr>
-                                        <p:cTn id="26" dur="1" fill="hold">
-                                          <p:stCondLst>
-                                            <p:cond delay="0"/>
-                                          </p:stCondLst>
-                                        </p:cTn>
-                                        <p:tgtEl>
-                                          <p:spTgt spid="14"/>
-                                        </p:tgtEl>
-                                        <p:attrNameLst>
-                                          <p:attrName>style.visibility</p:attrName>
-                                        </p:attrNameLst>
-                                      </p:cBhvr>
-                                      <p:to>
-                                        <p:strVal val="visible"/>
-                                      </p:to>
-                                    </p:set>
-                                  </p:childTnLst>
-                                </p:cTn>
-                              </p:par>
-                            </p:childTnLst>
-                          </p:cTn>
-                        </p:par>
-                      </p:childTnLst>
-                    </p:cTn>
-                  </p:par>
-                </p:childTnLst>
-              </p:cTn>
-              <p:prevCondLst>
-                <p:cond evt="onPrev" delay="0">
-                  <p:tgtEl>
-                    <p:sldTgt/>
-                  </p:tgtEl>
-                </p:cond>
-              </p:prevCondLst>
-              <p:nextCondLst>
-                <p:cond evt="onNext" delay="0">
-                  <p:tgtEl>
-                    <p:sldTgt/>
-                  </p:tgtEl>
-                </p:cond>
-              </p:nextCondLst>
-            </p:seq>
-          </p:childTnLst>
-        </p:cTn>
-      </p:par>
-    </p:tnLst>
-  </p:timing>
-</p:sld>
-</file>
-
-<file path=ppt/slides/slide13.xml><?xml version="1.0" encoding="utf-8"?>
-<p:sld xmlns:a="http://schemas.openxmlformats.org/drawingml/2006/main" xmlns:r="http://schemas.openxmlformats.org/officeDocument/2006/relationships" xmlns:p="http://schemas.openxmlformats.org/presentationml/2006/main">
-  <p:cSld>
-    <p:spTree>
-      <p:nvGrpSpPr>
-        <p:cNvPr id="1" name=""/>
-        <p:cNvGrpSpPr/>
-        <p:nvPr/>
-      </p:nvGrpSpPr>
-      <p:grpSpPr>
-        <a:xfrm>
-          <a:off x="0" y="0"/>
-          <a:ext cx="0" cy="0"/>
-          <a:chOff x="0" y="0"/>
-          <a:chExt cx="0" cy="0"/>
-        </a:xfrm>
-      </p:grpSpPr>
-      <p:sp>
-        <p:nvSpPr>
-          <p:cNvPr id="2" name="Titel 1">
-            <a:extLst>
-              <a:ext uri="{FF2B5EF4-FFF2-40B4-BE49-F238E27FC236}">
-                <a16:creationId xmlns:a16="http://schemas.microsoft.com/office/drawing/2014/main" id="{9DC64EC4-67A8-40F3-A4A9-6A495D8A51A7}"/>
-              </a:ext>
-            </a:extLst>
-          </p:cNvPr>
-          <p:cNvSpPr>
-            <a:spLocks noGrp="1"/>
-          </p:cNvSpPr>
-          <p:nvPr>
-            <p:ph type="title"/>
-          </p:nvPr>
-        </p:nvSpPr>
-        <p:spPr/>
-        <p:txBody>
-          <a:bodyPr/>
-          <a:lstStyle/>
-          <a:p>
-            <a:r>
-              <a:rPr lang="de-DE" dirty="0"/>
-              <a:t>potential and </a:t>
-            </a:r>
-            <a:r>
-              <a:rPr lang="de-DE" dirty="0" err="1"/>
-              <a:t>outlook</a:t>
-            </a:r>
-            <a:endParaRPr lang="de-DE" dirty="0"/>
-          </a:p>
-        </p:txBody>
-      </p:sp>
-      <p:sp>
-        <p:nvSpPr>
-          <p:cNvPr id="3" name="Inhaltsplatzhalter 2">
-            <a:extLst>
-              <a:ext uri="{FF2B5EF4-FFF2-40B4-BE49-F238E27FC236}">
-                <a16:creationId xmlns:a16="http://schemas.microsoft.com/office/drawing/2014/main" id="{4B9236D8-69E9-4AA3-875C-54AF7A0E09DB}"/>
-              </a:ext>
-            </a:extLst>
-          </p:cNvPr>
-          <p:cNvSpPr>
-            <a:spLocks noGrp="1"/>
-          </p:cNvSpPr>
-          <p:nvPr>
-            <p:ph sz="half" idx="1"/>
-          </p:nvPr>
-        </p:nvSpPr>
-        <p:spPr/>
-        <p:txBody>
-          <a:bodyPr/>
-          <a:lstStyle/>
-          <a:p>
-            <a:r>
-              <a:rPr lang="de-DE" dirty="0"/>
-              <a:t>Solution </a:t>
-            </a:r>
-            <a:r>
-              <a:rPr lang="de-DE" dirty="0" err="1"/>
-              <a:t>to</a:t>
-            </a:r>
-            <a:r>
-              <a:rPr lang="de-DE" dirty="0"/>
-              <a:t> </a:t>
-            </a:r>
-            <a:r>
-              <a:rPr lang="de-DE" dirty="0" err="1"/>
-              <a:t>many</a:t>
-            </a:r>
-            <a:r>
-              <a:rPr lang="de-DE" dirty="0"/>
-              <a:t> </a:t>
-            </a:r>
-            <a:r>
-              <a:rPr lang="de-DE" dirty="0" err="1"/>
-              <a:t>problems</a:t>
-            </a:r>
-            <a:endParaRPr lang="de-DE" dirty="0"/>
-          </a:p>
-          <a:p>
-            <a:r>
-              <a:rPr lang="de-DE" dirty="0"/>
-              <a:t>Possible </a:t>
-            </a:r>
-            <a:r>
-              <a:rPr lang="de-DE" dirty="0" err="1"/>
-              <a:t>use</a:t>
-            </a:r>
-            <a:r>
-              <a:rPr lang="de-DE" dirty="0"/>
-              <a:t> </a:t>
-            </a:r>
-            <a:r>
-              <a:rPr lang="de-DE" dirty="0" err="1"/>
-              <a:t>of</a:t>
-            </a:r>
-            <a:r>
-              <a:rPr lang="de-DE" dirty="0"/>
-              <a:t> a </a:t>
-            </a:r>
-            <a:r>
-              <a:rPr lang="de-DE" dirty="0" err="1"/>
-              <a:t>quantum</a:t>
-            </a:r>
-            <a:r>
-              <a:rPr lang="de-DE" dirty="0"/>
-              <a:t> </a:t>
-            </a:r>
-            <a:r>
-              <a:rPr lang="de-DE" dirty="0" err="1"/>
-              <a:t>speedup</a:t>
-            </a:r>
-            <a:endParaRPr lang="de-DE" dirty="0"/>
-          </a:p>
-          <a:p>
-            <a:r>
-              <a:rPr lang="de-DE" dirty="0"/>
-              <a:t>More real </a:t>
-            </a:r>
-            <a:r>
-              <a:rPr lang="de-DE" dirty="0" err="1"/>
-              <a:t>life</a:t>
-            </a:r>
-            <a:r>
-              <a:rPr lang="de-DE" dirty="0"/>
-              <a:t> </a:t>
-            </a:r>
-            <a:r>
-              <a:rPr lang="de-DE" dirty="0" err="1"/>
-              <a:t>applications</a:t>
-            </a:r>
-            <a:r>
-              <a:rPr lang="de-DE" dirty="0"/>
-              <a:t> </a:t>
-            </a:r>
-            <a:r>
-              <a:rPr lang="de-DE" dirty="0" err="1"/>
-              <a:t>needed</a:t>
-            </a:r>
-            <a:r>
-              <a:rPr lang="de-DE" dirty="0"/>
-              <a:t> </a:t>
-            </a:r>
-            <a:r>
-              <a:rPr lang="de-DE" dirty="0" err="1"/>
-              <a:t>to</a:t>
-            </a:r>
-            <a:r>
-              <a:rPr lang="de-DE" dirty="0"/>
-              <a:t> </a:t>
-            </a:r>
-            <a:r>
-              <a:rPr lang="de-DE" dirty="0" err="1"/>
-              <a:t>proof</a:t>
-            </a:r>
-            <a:r>
-              <a:rPr lang="de-DE" dirty="0"/>
-              <a:t> </a:t>
-            </a:r>
-            <a:r>
-              <a:rPr lang="de-DE" dirty="0" err="1"/>
-              <a:t>speedup</a:t>
-            </a:r>
-            <a:endParaRPr lang="de-DE" dirty="0"/>
-          </a:p>
-          <a:p>
-            <a:endParaRPr lang="de-DE" dirty="0"/>
-          </a:p>
-        </p:txBody>
-      </p:sp>
-      <p:sp>
-        <p:nvSpPr>
-          <p:cNvPr id="4" name="Inhaltsplatzhalter 3">
-            <a:extLst>
-              <a:ext uri="{FF2B5EF4-FFF2-40B4-BE49-F238E27FC236}">
-                <a16:creationId xmlns:a16="http://schemas.microsoft.com/office/drawing/2014/main" id="{811F8BFB-C599-49DB-AB8C-1746AA1C7340}"/>
-              </a:ext>
-            </a:extLst>
-          </p:cNvPr>
-          <p:cNvSpPr>
-            <a:spLocks noGrp="1"/>
-          </p:cNvSpPr>
-          <p:nvPr>
-            <p:ph sz="half" idx="2"/>
-          </p:nvPr>
-        </p:nvSpPr>
-        <p:spPr/>
-        <p:txBody>
-          <a:bodyPr/>
-          <a:lstStyle/>
-          <a:p>
-            <a:endParaRPr lang="de-DE"/>
-          </a:p>
-        </p:txBody>
-      </p:sp>
-    </p:spTree>
-    <p:extLst>
-      <p:ext uri="{BB962C8B-B14F-4D97-AF65-F5344CB8AC3E}">
-        <p14:creationId xmlns:p14="http://schemas.microsoft.com/office/powerpoint/2010/main" val="196446536"/>
-      </p:ext>
-    </p:extLst>
-  </p:cSld>
-  <p:clrMapOvr>
-    <a:masterClrMapping/>
-  </p:clrMapOvr>
-  <p:timing>
-    <p:tnLst>
-      <p:par>
-        <p:cTn id="1" dur="indefinite" restart="never" nodeType="tmRoot">
-          <p:childTnLst>
-            <p:seq concurrent="1" nextAc="seek">
-              <p:cTn id="2" dur="indefinite" nodeType="mainSeq">
-                <p:childTnLst>
-                  <p:par>
-                    <p:cTn id="3" fill="hold">
-                      <p:stCondLst>
-                        <p:cond delay="indefinite"/>
-                      </p:stCondLst>
-                      <p:childTnLst>
-                        <p:par>
-                          <p:cTn id="4" fill="hold">
-                            <p:stCondLst>
-                              <p:cond delay="0"/>
-                            </p:stCondLst>
-                            <p:childTnLst>
-                              <p:par>
-                                <p:cTn id="5" presetID="1" presetClass="entr" presetSubtype="0" fill="hold" grpId="0" nodeType="clickEffect">
-                                  <p:stCondLst>
-                                    <p:cond delay="0"/>
-                                  </p:stCondLst>
-                                  <p:childTnLst>
-                                    <p:set>
-                                      <p:cBhvr>
-                                        <p:cTn id="6" dur="1" fill="hold">
-                                          <p:stCondLst>
-                                            <p:cond delay="0"/>
-                                          </p:stCondLst>
-                                        </p:cTn>
-                                        <p:tgtEl>
-                                          <p:spTgt spid="3">
-                                            <p:txEl>
-                                              <p:pRg st="0" end="0"/>
-                                            </p:txEl>
-                                          </p:spTgt>
-                                        </p:tgtEl>
-                                        <p:attrNameLst>
-                                          <p:attrName>style.visibility</p:attrName>
-                                        </p:attrNameLst>
-                                      </p:cBhvr>
-                                      <p:to>
-                                        <p:strVal val="visible"/>
-                                      </p:to>
-                                    </p:set>
-                                  </p:childTnLst>
-                                </p:cTn>
-                              </p:par>
-                            </p:childTnLst>
-                          </p:cTn>
-                        </p:par>
-                      </p:childTnLst>
-                    </p:cTn>
-                  </p:par>
-                  <p:par>
-                    <p:cTn id="7" fill="hold">
-                      <p:stCondLst>
-                        <p:cond delay="indefinite"/>
-                      </p:stCondLst>
-                      <p:childTnLst>
-                        <p:par>
-                          <p:cTn id="8" fill="hold">
-                            <p:stCondLst>
-                              <p:cond delay="0"/>
-                            </p:stCondLst>
-                            <p:childTnLst>
-                              <p:par>
-                                <p:cTn id="9" presetID="1" presetClass="entr" presetSubtype="0" fill="hold" grpId="0" nodeType="clickEffect">
-                                  <p:stCondLst>
-                                    <p:cond delay="0"/>
-                                  </p:stCondLst>
-                                  <p:childTnLst>
-                                    <p:set>
-                                      <p:cBhvr>
-                                        <p:cTn id="10" dur="1" fill="hold">
-                                          <p:stCondLst>
-                                            <p:cond delay="0"/>
-                                          </p:stCondLst>
-                                        </p:cTn>
-                                        <p:tgtEl>
-                                          <p:spTgt spid="3">
-                                            <p:txEl>
-                                              <p:pRg st="1" end="1"/>
-                                            </p:txEl>
-                                          </p:spTgt>
-                                        </p:tgtEl>
-                                        <p:attrNameLst>
-                                          <p:attrName>style.visibility</p:attrName>
-                                        </p:attrNameLst>
-                                      </p:cBhvr>
-                                      <p:to>
-                                        <p:strVal val="visible"/>
-                                      </p:to>
-                                    </p:set>
-                                  </p:childTnLst>
-                                </p:cTn>
-                              </p:par>
-                            </p:childTnLst>
-                          </p:cTn>
-                        </p:par>
-                      </p:childTnLst>
-                    </p:cTn>
-                  </p:par>
-                  <p:par>
-                    <p:cTn id="11" fill="hold">
-                      <p:stCondLst>
-                        <p:cond delay="indefinite"/>
-                      </p:stCondLst>
-                      <p:childTnLst>
-                        <p:par>
-                          <p:cTn id="12" fill="hold">
-                            <p:stCondLst>
-                              <p:cond delay="0"/>
-                            </p:stCondLst>
-                            <p:childTnLst>
-                              <p:par>
-                                <p:cTn id="13" presetID="1" presetClass="entr" presetSubtype="0" fill="hold" grpId="0" nodeType="clickEffect">
-                                  <p:stCondLst>
-                                    <p:cond delay="0"/>
-                                  </p:stCondLst>
-                                  <p:childTnLst>
-                                    <p:set>
-                                      <p:cBhvr>
-                                        <p:cTn id="14" dur="1" fill="hold">
-                                          <p:stCondLst>
-                                            <p:cond delay="0"/>
-                                          </p:stCondLst>
-                                        </p:cTn>
-                                        <p:tgtEl>
-                                          <p:spTgt spid="3">
-                                            <p:txEl>
-                                              <p:pRg st="2" end="2"/>
+                                              <p:pRg st="3" end="3"/>
                                             </p:txEl>
                                           </p:spTgt>
                                         </p:tgtEl>
@@ -10021,7 +10541,7 @@
           <a:p>
             <a:r>
               <a:rPr lang="de-DE" dirty="0" err="1"/>
-              <a:t>Ingridients</a:t>
+              <a:t>IngrEdients</a:t>
             </a:r>
             <a:endParaRPr lang="de-DE" dirty="0"/>
           </a:p>
@@ -10168,37 +10688,21 @@
           <a:lstStyle/>
           <a:p>
             <a:r>
-              <a:rPr lang="de-DE" dirty="0"/>
-              <a:t>Link hier</a:t>
-            </a:r>
-          </a:p>
-          <a:p>
-            <a:r>
-              <a:rPr lang="de-DE" dirty="0"/>
-              <a:t>Open </a:t>
-            </a:r>
-            <a:r>
-              <a:rPr lang="de-DE" dirty="0" err="1"/>
-              <a:t>Jupyter</a:t>
-            </a:r>
-            <a:r>
-              <a:rPr lang="de-DE" dirty="0"/>
-              <a:t> </a:t>
-            </a:r>
-            <a:r>
-              <a:rPr lang="de-DE" dirty="0" err="1"/>
-              <a:t>notebook</a:t>
+              <a:rPr lang="de-DE" dirty="0">
+                <a:hlinkClick r:id="rId2"/>
+              </a:rPr>
+              <a:t>https://github.com/CodeJP97/QHT-2022-WoQ/blob/main/LectureProblem.ipynb</a:t>
             </a:r>
             <a:endParaRPr lang="de-DE" dirty="0"/>
           </a:p>
           <a:p>
             <a:r>
               <a:rPr lang="de-DE" dirty="0"/>
-              <a:t>Follow </a:t>
+              <a:t>Open </a:t>
             </a:r>
             <a:r>
               <a:rPr lang="de-DE" dirty="0" err="1"/>
-              <a:t>the</a:t>
+              <a:t>Jupyter</a:t>
             </a:r>
             <a:r>
               <a:rPr lang="de-DE" dirty="0"/>
@@ -10206,60 +10710,9 @@
             </a:r>
             <a:r>
               <a:rPr lang="de-DE" dirty="0" err="1"/>
-              <a:t>lecture</a:t>
-            </a:r>
-            <a:r>
-              <a:rPr lang="de-DE" dirty="0"/>
-              <a:t> (</a:t>
-            </a:r>
-            <a:r>
-              <a:rPr lang="de-DE" dirty="0" err="1"/>
-              <a:t>please</a:t>
-            </a:r>
-            <a:r>
-              <a:rPr lang="de-DE" dirty="0"/>
-              <a:t>, </a:t>
-            </a:r>
-            <a:r>
-              <a:rPr lang="de-DE" dirty="0" err="1"/>
-              <a:t>we</a:t>
-            </a:r>
-            <a:r>
-              <a:rPr lang="de-DE" dirty="0"/>
-              <a:t> </a:t>
-            </a:r>
-            <a:r>
-              <a:rPr lang="de-DE" dirty="0" err="1"/>
-              <a:t>put</a:t>
-            </a:r>
-            <a:r>
-              <a:rPr lang="de-DE" dirty="0"/>
-              <a:t> so </a:t>
-            </a:r>
-            <a:r>
-              <a:rPr lang="de-DE" dirty="0" err="1"/>
-              <a:t>much</a:t>
-            </a:r>
-            <a:r>
-              <a:rPr lang="de-DE" dirty="0"/>
-              <a:t> </a:t>
-            </a:r>
-            <a:r>
-              <a:rPr lang="de-DE" dirty="0" err="1"/>
-              <a:t>effort</a:t>
-            </a:r>
-            <a:r>
-              <a:rPr lang="de-DE" dirty="0"/>
-              <a:t> in </a:t>
-            </a:r>
-            <a:r>
-              <a:rPr lang="de-DE" dirty="0" err="1"/>
-              <a:t>it</a:t>
-            </a:r>
-            <a:r>
-              <a:rPr lang="de-DE" dirty="0"/>
-              <a:t>)</a:t>
-            </a:r>
+              <a:t>notebook</a:t>
+            </a:r>
+            <a:endParaRPr lang="de-DE" dirty="0"/>
           </a:p>
         </p:txBody>
       </p:sp>
@@ -10766,55 +11219,6 @@
                       </p:childTnLst>
                     </p:cTn>
                   </p:par>
-                  <p:par>
-                    <p:cTn id="41" fill="hold">
-                      <p:stCondLst>
-                        <p:cond delay="indefinite"/>
-                      </p:stCondLst>
-                      <p:childTnLst>
-                        <p:par>
-                          <p:cTn id="42" fill="hold">
-                            <p:stCondLst>
-                              <p:cond delay="0"/>
-                            </p:stCondLst>
-                            <p:childTnLst>
-                              <p:par>
-                                <p:cTn id="43" presetID="1" presetClass="entr" presetSubtype="0" fill="hold" grpId="0" nodeType="clickEffect">
-                                  <p:stCondLst>
-                                    <p:cond delay="0"/>
-                                  </p:stCondLst>
-                                  <p:childTnLst>
-                                    <p:set>
-                                      <p:cBhvr>
-                                        <p:cTn id="44" dur="1" fill="hold">
-                                          <p:stCondLst>
-                                            <p:cond delay="0"/>
-                                          </p:stCondLst>
-                                        </p:cTn>
-                                        <p:tgtEl>
-                                          <p:spTgt spid="5">
-                                            <p:txEl>
-                                              <p:pRg st="2" end="2"/>
-                                            </p:txEl>
-                                          </p:spTgt>
-                                        </p:tgtEl>
-                                        <p:attrNameLst>
-                                          <p:attrName>style.visibility</p:attrName>
-                                        </p:attrNameLst>
-                                      </p:cBhvr>
-                                      <p:to>
-                                        <p:strVal val="visible"/>
-                                      </p:to>
-                                    </p:set>
-                                  </p:childTnLst>
-                                </p:cTn>
-                              </p:par>
-                            </p:childTnLst>
-                          </p:cTn>
-                        </p:par>
-                      </p:childTnLst>
-                    </p:cTn>
-                  </p:par>
                 </p:childTnLst>
               </p:cTn>
               <p:prevCondLst>
@@ -11134,6 +11538,53 @@
           </a:prstGeom>
         </p:spPr>
       </p:pic>
+      <p:sp>
+        <p:nvSpPr>
+          <p:cNvPr id="4" name="Textfeld 3">
+            <a:extLst>
+              <a:ext uri="{FF2B5EF4-FFF2-40B4-BE49-F238E27FC236}">
+                <a16:creationId xmlns:a16="http://schemas.microsoft.com/office/drawing/2014/main" id="{099AD43A-C141-4950-9E3C-784DC196C245}"/>
+              </a:ext>
+            </a:extLst>
+          </p:cNvPr>
+          <p:cNvSpPr txBox="1"/>
+          <p:nvPr/>
+        </p:nvSpPr>
+        <p:spPr>
+          <a:xfrm>
+            <a:off x="7527851" y="5564372"/>
+            <a:ext cx="2595454" cy="369332"/>
+          </a:xfrm>
+          <a:prstGeom prst="rect">
+            <a:avLst/>
+          </a:prstGeom>
+          <a:noFill/>
+        </p:spPr>
+        <p:txBody>
+          <a:bodyPr wrap="none" rtlCol="0">
+            <a:spAutoFit/>
+          </a:bodyPr>
+          <a:lstStyle/>
+          <a:p>
+            <a:r>
+              <a:rPr lang="de-DE" dirty="0" err="1"/>
+              <a:t>Jupyter</a:t>
+            </a:r>
+            <a:r>
+              <a:rPr lang="de-DE" dirty="0"/>
+              <a:t> </a:t>
+            </a:r>
+            <a:r>
+              <a:rPr lang="de-DE" dirty="0" err="1"/>
+              <a:t>notebook</a:t>
+            </a:r>
+            <a:r>
+              <a:rPr lang="de-DE" dirty="0"/>
+              <a:t> (Part 1)</a:t>
+            </a:r>
+          </a:p>
+        </p:txBody>
+      </p:sp>
     </p:spTree>
     <p:extLst>
       <p:ext uri="{BB962C8B-B14F-4D97-AF65-F5344CB8AC3E}">
@@ -11350,21 +11801,66 @@
                                   </p:childTnLst>
                                 </p:cTn>
                               </p:par>
+                            </p:childTnLst>
+                          </p:cTn>
+                        </p:par>
+                      </p:childTnLst>
+                    </p:cTn>
+                  </p:par>
+                  <p:par>
+                    <p:cTn id="17" fill="hold">
+                      <p:stCondLst>
+                        <p:cond delay="indefinite"/>
+                      </p:stCondLst>
+                      <p:childTnLst>
+                        <p:par>
+                          <p:cTn id="18" fill="hold">
+                            <p:stCondLst>
+                              <p:cond delay="0"/>
+                            </p:stCondLst>
+                            <p:childTnLst>
                               <p:par>
-                                <p:cTn id="17" presetID="1" presetClass="entr" presetSubtype="0" fill="hold" nodeType="withEffect">
+                                <p:cTn id="19" presetID="1" presetClass="entr" presetSubtype="0" fill="hold" nodeType="clickEffect">
                                   <p:stCondLst>
                                     <p:cond delay="0"/>
                                   </p:stCondLst>
                                   <p:childTnLst>
                                     <p:set>
                                       <p:cBhvr>
-                                        <p:cTn id="18" dur="1" fill="hold">
+                                        <p:cTn id="20" dur="1" fill="hold">
                                           <p:stCondLst>
                                             <p:cond delay="0"/>
                                           </p:stCondLst>
                                         </p:cTn>
                                         <p:tgtEl>
                                           <p:spTgt spid="9"/>
+                                        </p:tgtEl>
+                                        <p:attrNameLst>
+                                          <p:attrName>style.visibility</p:attrName>
+                                        </p:attrNameLst>
+                                      </p:cBhvr>
+                                      <p:to>
+                                        <p:strVal val="visible"/>
+                                      </p:to>
+                                    </p:set>
+                                  </p:childTnLst>
+                                </p:cTn>
+                              </p:par>
+                              <p:par>
+                                <p:cTn id="21" presetID="1" presetClass="entr" presetSubtype="0" fill="hold" grpId="0" nodeType="withEffect">
+                                  <p:stCondLst>
+                                    <p:cond delay="0"/>
+                                  </p:stCondLst>
+                                  <p:childTnLst>
+                                    <p:set>
+                                      <p:cBhvr>
+                                        <p:cTn id="22" dur="1" fill="hold">
+                                          <p:stCondLst>
+                                            <p:cond delay="0"/>
+                                          </p:stCondLst>
+                                        </p:cTn>
+                                        <p:tgtEl>
+                                          <p:spTgt spid="4"/>
                                         </p:tgtEl>
                                         <p:attrNameLst>
                                           <p:attrName>style.visibility</p:attrName>
@@ -11406,6 +11902,7 @@
     </p:tnLst>
     <p:bldLst>
       <p:bldP spid="3" grpId="0" build="p"/>
+      <p:bldP spid="4" grpId="0"/>
     </p:bldLst>
   </p:timing>
 </p:sld>
@@ -12430,7 +12927,7 @@
           <a:p>
             <a:r>
               <a:rPr lang="de-DE" dirty="0" err="1"/>
-              <a:t>Closely</a:t>
+              <a:t>needed</a:t>
             </a:r>
             <a:r>
               <a:rPr lang="de-DE" dirty="0"/>
@@ -12438,15 +12935,7 @@
             </a:r>
             <a:r>
               <a:rPr lang="de-DE" dirty="0" err="1"/>
-              <a:t>related</a:t>
-            </a:r>
-            <a:r>
-              <a:rPr lang="de-DE" dirty="0"/>
-              <a:t> </a:t>
-            </a:r>
-            <a:r>
-              <a:rPr lang="de-DE" dirty="0" err="1"/>
-              <a:t>to</a:t>
+              <a:t>for</a:t>
             </a:r>
             <a:r>
               <a:rPr lang="de-DE" dirty="0"/>
@@ -14025,8 +14514,8 @@
           </a:p>
         </p:txBody>
       </p:sp>
-      <mc:AlternateContent xmlns:mc="http://schemas.openxmlformats.org/markup-compatibility/2006" xmlns:a14="http://schemas.microsoft.com/office/drawing/2010/main">
-        <mc:Choice Requires="a14">
+      <mc:AlternateContent xmlns:mc="http://schemas.openxmlformats.org/markup-compatibility/2006">
+        <mc:Choice xmlns:a14="http://schemas.microsoft.com/office/drawing/2010/main" Requires="a14">
           <p:sp>
             <p:nvSpPr>
               <p:cNvPr id="3" name="Inhaltsplatzhalter 2">
@@ -14420,7 +14909,7 @@
                           <a:rPr lang="de-DE" b="0" i="1" smtClean="0">
                             <a:latin typeface="Cambria Math" panose="02040503050406030204" pitchFamily="18" charset="0"/>
                           </a:rPr>
-                          <m:t>𝑁</m:t>
+                          <m:t>𝑝</m:t>
                         </m:r>
                       </m:den>
                     </m:f>
@@ -14566,7 +15055,7 @@
                             <a:rPr lang="de-DE" b="0" i="1" smtClean="0">
                               <a:latin typeface="Cambria Math" panose="02040503050406030204" pitchFamily="18" charset="0"/>
                             </a:rPr>
-                            <m:t>𝑁</m:t>
+                            <m:t>𝑝</m:t>
                           </m:r>
                         </m:sup>
                         <m:e>
@@ -14793,7 +15282,7 @@
                           <a:rPr lang="de-DE" b="0" i="1" smtClean="0">
                             <a:latin typeface="Cambria Math" panose="02040503050406030204" pitchFamily="18" charset="0"/>
                           </a:rPr>
-                          <m:t>𝑁</m:t>
+                          <m:t>𝑝</m:t>
                         </m:r>
                       </m:sup>
                       <m:e>
@@ -15005,7 +15494,7 @@
             </p:txBody>
           </p:sp>
         </mc:Choice>
-        <mc:Fallback xmlns="">
+        <mc:Fallback>
           <p:sp>
             <p:nvSpPr>
               <p:cNvPr id="3" name="Inhaltsplatzhalter 2">
@@ -15757,39 +16246,25 @@
                                   </p:childTnLst>
                                 </p:cTn>
                               </p:par>
-                            </p:childTnLst>
-                          </p:cTn>
-                        </p:par>
-                      </p:childTnLst>
-                    </p:cTn>
-                  </p:par>
-                  <p:par>
-                    <p:cTn id="21" fill="hold">
-                      <p:stCondLst>
-                        <p:cond delay="indefinite"/>
-                      </p:stCondLst>
-                      <p:childTnLst>
-                        <p:par>
-                          <p:cTn id="22" fill="hold">
-                            <p:stCondLst>
-                              <p:cond delay="0"/>
-                            </p:stCondLst>
-                            <p:childTnLst>
                               <p:par>
-                                <p:cTn id="23" presetID="1" presetClass="entr" presetSubtype="0" fill="hold" nodeType="clickEffect">
+                                <p:cTn id="21" presetID="1" presetClass="entr" presetSubtype="0" fill="hold" grpId="0" nodeType="withEffect">
                                   <p:stCondLst>
                                     <p:cond delay="0"/>
                                   </p:stCondLst>
                                   <p:childTnLst>
                                     <p:set>
                                       <p:cBhvr>
-                                        <p:cTn id="24" dur="1" fill="hold">
+                                        <p:cTn id="22" dur="1" fill="hold">
                                           <p:stCondLst>
                                             <p:cond delay="0"/>
                                           </p:stCondLst>
                                         </p:cTn>
                                         <p:tgtEl>
-                                          <p:spTgt spid="6"/>
+                                          <p:spTgt spid="3">
+                                            <p:txEl>
+                                              <p:pRg st="5" end="5"/>
+                                            </p:txEl>
+                                          </p:spTgt>
                                         </p:tgtEl>
                                         <p:attrNameLst>
                                           <p:attrName>style.visibility</p:attrName>
@@ -15802,8 +16277,26 @@
                                   </p:childTnLst>
                                 </p:cTn>
                               </p:par>
+                            </p:childTnLst>
+                          </p:cTn>
+                        </p:par>
+                      </p:childTnLst>
+                    </p:cTn>
+                  </p:par>
+                  <p:par>
+                    <p:cTn id="23" fill="hold">
+                      <p:stCondLst>
+                        <p:cond delay="indefinite"/>
+                      </p:stCondLst>
+                      <p:childTnLst>
+                        <p:par>
+                          <p:cTn id="24" fill="hold">
+                            <p:stCondLst>
+                              <p:cond delay="0"/>
+                            </p:stCondLst>
+                            <p:childTnLst>
                               <p:par>
-                                <p:cTn id="25" presetID="1" presetClass="entr" presetSubtype="0" fill="hold" grpId="0" nodeType="withEffect">
+                                <p:cTn id="25" presetID="1" presetClass="entr" presetSubtype="0" fill="hold" nodeType="clickEffect">
                                   <p:stCondLst>
                                     <p:cond delay="0"/>
                                   </p:stCondLst>
@@ -15816,7 +16309,7 @@
                                           </p:stCondLst>
                                         </p:cTn>
                                         <p:tgtEl>
-                                          <p:spTgt spid="4"/>
+                                          <p:spTgt spid="6"/>
                                         </p:tgtEl>
                                         <p:attrNameLst>
                                           <p:attrName>style.visibility</p:attrName>
@@ -15843,6 +16336,33 @@
                                           </p:stCondLst>
                                         </p:cTn>
                                         <p:tgtEl>
+                                          <p:spTgt spid="4"/>
+                                        </p:tgtEl>
+                                        <p:attrNameLst>
+                                          <p:attrName>style.visibility</p:attrName>
+                                        </p:attrNameLst>
+                                      </p:cBhvr>
+                                      <p:to>
+                                        <p:strVal val="visible"/>
+                                      </p:to>
+                                    </p:set>
+                                  </p:childTnLst>
+                                </p:cTn>
+                              </p:par>
+                              <p:par>
+                                <p:cTn id="29" presetID="1" presetClass="entr" presetSubtype="0" fill="hold" grpId="0" nodeType="withEffect">
+                                  <p:stCondLst>
+                                    <p:cond delay="0"/>
+                                  </p:stCondLst>
+                                  <p:childTnLst>
+                                    <p:set>
+                                      <p:cBhvr>
+                                        <p:cTn id="30" dur="1" fill="hold">
+                                          <p:stCondLst>
+                                            <p:cond delay="0"/>
+                                          </p:stCondLst>
+                                        </p:cTn>
+                                        <p:tgtEl>
                                           <p:spTgt spid="14"/>
                                         </p:tgtEl>
                                         <p:attrNameLst>
@@ -15857,34 +16377,7 @@
                                 </p:cTn>
                               </p:par>
                               <p:par>
-                                <p:cTn id="29" presetID="1" presetClass="entr" presetSubtype="0" fill="hold" nodeType="withEffect">
-                                  <p:stCondLst>
-                                    <p:cond delay="0"/>
-                                  </p:stCondLst>
-                                  <p:childTnLst>
-                                    <p:set>
-                                      <p:cBhvr>
-                                        <p:cTn id="30" dur="1" fill="hold">
-                                          <p:stCondLst>
-                                            <p:cond delay="0"/>
-                                          </p:stCondLst>
-                                        </p:cTn>
-                                        <p:tgtEl>
-                                          <p:spTgt spid="10"/>
-                                        </p:tgtEl>
-                                        <p:attrNameLst>
-                                          <p:attrName>style.visibility</p:attrName>
-                                        </p:attrNameLst>
-                                      </p:cBhvr>
-                                      <p:to>
-                                        <p:strVal val="visible"/>
-                                      </p:to>
-                                    </p:set>
-                                  </p:childTnLst>
-                                </p:cTn>
-                              </p:par>
-                              <p:par>
-                                <p:cTn id="31" presetID="1" presetClass="entr" presetSubtype="0" fill="hold" grpId="0" nodeType="withEffect">
+                                <p:cTn id="31" presetID="1" presetClass="entr" presetSubtype="0" fill="hold" nodeType="withEffect">
                                   <p:stCondLst>
                                     <p:cond delay="0"/>
                                   </p:stCondLst>
@@ -15897,7 +16390,7 @@
                                           </p:stCondLst>
                                         </p:cTn>
                                         <p:tgtEl>
-                                          <p:spTgt spid="11"/>
+                                          <p:spTgt spid="10"/>
                                         </p:tgtEl>
                                         <p:attrNameLst>
                                           <p:attrName>style.visibility</p:attrName>
@@ -15924,7 +16417,7 @@
                                           </p:stCondLst>
                                         </p:cTn>
                                         <p:tgtEl>
-                                          <p:spTgt spid="15"/>
+                                          <p:spTgt spid="11"/>
                                         </p:tgtEl>
                                         <p:attrNameLst>
                                           <p:attrName>style.visibility</p:attrName>
@@ -15938,7 +16431,7 @@
                                 </p:cTn>
                               </p:par>
                               <p:par>
-                                <p:cTn id="35" presetID="1" presetClass="entr" presetSubtype="0" fill="hold" nodeType="withEffect">
+                                <p:cTn id="35" presetID="1" presetClass="entr" presetSubtype="0" fill="hold" grpId="0" nodeType="withEffect">
                                   <p:stCondLst>
                                     <p:cond delay="0"/>
                                   </p:stCondLst>
@@ -15951,7 +16444,7 @@
                                           </p:stCondLst>
                                         </p:cTn>
                                         <p:tgtEl>
-                                          <p:spTgt spid="13"/>
+                                          <p:spTgt spid="15"/>
                                         </p:tgtEl>
                                         <p:attrNameLst>
                                           <p:attrName>style.visibility</p:attrName>
@@ -15978,7 +16471,7 @@
                                           </p:stCondLst>
                                         </p:cTn>
                                         <p:tgtEl>
-                                          <p:spTgt spid="17"/>
+                                          <p:spTgt spid="13"/>
                                         </p:tgtEl>
                                         <p:attrNameLst>
                                           <p:attrName>style.visibility</p:attrName>
@@ -16005,11 +16498,7 @@
                                           </p:stCondLst>
                                         </p:cTn>
                                         <p:tgtEl>
-                                          <p:spTgt spid="3">
-                                            <p:txEl>
-                                              <p:pRg st="5" end="5"/>
-                                            </p:txEl>
-                                          </p:spTgt>
+                                          <p:spTgt spid="17"/>
                                         </p:tgtEl>
                                         <p:attrNameLst>
                                           <p:attrName>style.visibility</p:attrName>
@@ -16241,8 +16730,8 @@
           </a:p>
         </p:txBody>
       </p:sp>
-      <mc:AlternateContent xmlns:mc="http://schemas.openxmlformats.org/markup-compatibility/2006" xmlns:a14="http://schemas.microsoft.com/office/drawing/2010/main">
-        <mc:Choice Requires="a14">
+      <mc:AlternateContent xmlns:mc="http://schemas.openxmlformats.org/markup-compatibility/2006">
+        <mc:Choice xmlns:a14="http://schemas.microsoft.com/office/drawing/2010/main" Requires="a14">
           <p:sp>
             <p:nvSpPr>
               <p:cNvPr id="3" name="Inhaltsplatzhalter 2">
@@ -16267,12 +16756,8 @@
               <a:lstStyle/>
               <a:p>
                 <a:r>
-                  <a:rPr lang="de-DE" dirty="0" err="1"/>
-                  <a:t>From</a:t>
-                </a:r>
-                <a:r>
                   <a:rPr lang="de-DE" dirty="0"/>
-                  <a:t> </a:t>
+                  <a:t>From </a:t>
                 </a:r>
                 <a:r>
                   <a:rPr lang="de-DE" dirty="0" err="1"/>
@@ -16357,10 +16842,10 @@
                       </m:sub>
                       <m:sup>
                         <m:r>
-                          <a:rPr lang="de-DE" i="1">
+                          <a:rPr lang="de-DE" b="0" i="1" smtClean="0">
                             <a:latin typeface="Cambria Math" panose="02040503050406030204" pitchFamily="18" charset="0"/>
                           </a:rPr>
-                          <m:t>𝑁</m:t>
+                          <m:t>𝑝</m:t>
                         </m:r>
                       </m:sup>
                       <m:e>
@@ -16868,10 +17353,10 @@
                       </m:sub>
                       <m:sup>
                         <m:r>
-                          <a:rPr lang="en-US" b="0" i="1" smtClean="0">
+                          <a:rPr lang="de-DE" b="0" i="1" smtClean="0">
                             <a:latin typeface="Cambria Math" panose="02040503050406030204" pitchFamily="18" charset="0"/>
                           </a:rPr>
-                          <m:t>𝑁</m:t>
+                          <m:t>𝑝</m:t>
                         </m:r>
                       </m:sup>
                       <m:e>
@@ -17138,7 +17623,7 @@
             </p:txBody>
           </p:sp>
         </mc:Choice>
-        <mc:Fallback xmlns="">
+        <mc:Fallback>
           <p:sp>
             <p:nvSpPr>
               <p:cNvPr id="3" name="Inhaltsplatzhalter 2">
@@ -17239,15 +17724,33 @@
                                   </p:childTnLst>
                                 </p:cTn>
                               </p:par>
+                            </p:childTnLst>
+                          </p:cTn>
+                        </p:par>
+                      </p:childTnLst>
+                    </p:cTn>
+                  </p:par>
+                  <p:par>
+                    <p:cTn id="7" fill="hold">
+                      <p:stCondLst>
+                        <p:cond delay="indefinite"/>
+                      </p:stCondLst>
+                      <p:childTnLst>
+                        <p:par>
+                          <p:cTn id="8" fill="hold">
+                            <p:stCondLst>
+                              <p:cond delay="0"/>
+                            </p:stCondLst>
+                            <p:childTnLst>
                               <p:par>
-                                <p:cTn id="7" presetID="1" presetClass="entr" presetSubtype="0" fill="hold" nodeType="withEffect">
+                                <p:cTn id="9" presetID="1" presetClass="entr" presetSubtype="0" fill="hold" nodeType="clickEffect">
                                   <p:stCondLst>
                                     <p:cond delay="0"/>
                                   </p:stCondLst>
                                   <p:childTnLst>
                                     <p:set>
                                       <p:cBhvr>
-                                        <p:cTn id="8" dur="1" fill="hold">
+                                        <p:cTn id="10" dur="1" fill="hold">
                                           <p:stCondLst>
                                             <p:cond delay="0"/>
                                           </p:stCondLst>
@@ -17277,46 +17780,19 @@
                     </p:cTn>
                   </p:par>
                   <p:par>
-                    <p:cTn id="9" fill="hold">
+                    <p:cTn id="11" fill="hold">
                       <p:stCondLst>
                         <p:cond delay="indefinite"/>
                       </p:stCondLst>
                       <p:childTnLst>
                         <p:par>
-                          <p:cTn id="10" fill="hold">
+                          <p:cTn id="12" fill="hold">
                             <p:stCondLst>
                               <p:cond delay="0"/>
                             </p:stCondLst>
                             <p:childTnLst>
                               <p:par>
-                                <p:cTn id="11" presetID="1" presetClass="entr" presetSubtype="0" fill="hold" grpId="0" nodeType="clickEffect">
-                                  <p:stCondLst>
-                                    <p:cond delay="0"/>
-                                  </p:stCondLst>
-                                  <p:childTnLst>
-                                    <p:set>
-                                      <p:cBhvr>
-                                        <p:cTn id="12" dur="1" fill="hold">
-                                          <p:stCondLst>
-                                            <p:cond delay="0"/>
-                                          </p:stCondLst>
-                                        </p:cTn>
-                                        <p:tgtEl>
-                                          <p:spTgt spid="10"/>
-                                        </p:tgtEl>
-                                        <p:attrNameLst>
-                                          <p:attrName>style.visibility</p:attrName>
-                                        </p:attrNameLst>
-                                      </p:cBhvr>
-                                      <p:to>
-                                        <p:strVal val="visible"/>
-                                      </p:to>
-                                    </p:set>
-                                  </p:childTnLst>
-                                </p:cTn>
-                              </p:par>
-                              <p:par>
-                                <p:cTn id="13" presetID="1" presetClass="entr" presetSubtype="0" fill="hold" grpId="0" nodeType="withEffect">
+                                <p:cTn id="13" presetID="1" presetClass="entr" presetSubtype="0" fill="hold" nodeType="clickEffect">
                                   <p:stCondLst>
                                     <p:cond delay="0"/>
                                   </p:stCondLst>
@@ -17324,33 +17800,6 @@
                                     <p:set>
                                       <p:cBhvr>
                                         <p:cTn id="14" dur="1" fill="hold">
-                                          <p:stCondLst>
-                                            <p:cond delay="0"/>
-                                          </p:stCondLst>
-                                        </p:cTn>
-                                        <p:tgtEl>
-                                          <p:spTgt spid="7"/>
-                                        </p:tgtEl>
-                                        <p:attrNameLst>
-                                          <p:attrName>style.visibility</p:attrName>
-                                        </p:attrNameLst>
-                                      </p:cBhvr>
-                                      <p:to>
-                                        <p:strVal val="visible"/>
-                                      </p:to>
-                                    </p:set>
-                                  </p:childTnLst>
-                                </p:cTn>
-                              </p:par>
-                              <p:par>
-                                <p:cTn id="15" presetID="1" presetClass="entr" presetSubtype="0" fill="hold" nodeType="withEffect">
-                                  <p:stCondLst>
-                                    <p:cond delay="0"/>
-                                  </p:stCondLst>
-                                  <p:childTnLst>
-                                    <p:set>
-                                      <p:cBhvr>
-                                        <p:cTn id="16" dur="1" fill="hold">
                                           <p:stCondLst>
                                             <p:cond delay="0"/>
                                           </p:stCondLst>
@@ -17373,26 +17822,62 @@
                                   </p:childTnLst>
                                 </p:cTn>
                               </p:par>
-                            </p:childTnLst>
-                          </p:cTn>
-                        </p:par>
-                      </p:childTnLst>
-                    </p:cTn>
-                  </p:par>
-                  <p:par>
-                    <p:cTn id="17" fill="hold">
-                      <p:stCondLst>
-                        <p:cond delay="indefinite"/>
-                      </p:stCondLst>
-                      <p:childTnLst>
-                        <p:par>
-                          <p:cTn id="18" fill="hold">
-                            <p:stCondLst>
-                              <p:cond delay="0"/>
-                            </p:stCondLst>
-                            <p:childTnLst>
                               <p:par>
-                                <p:cTn id="19" presetID="1" presetClass="entr" presetSubtype="0" fill="hold" nodeType="clickEffect">
+                                <p:cTn id="15" presetID="1" presetClass="entr" presetSubtype="0" fill="hold" grpId="0" nodeType="withEffect">
+                                  <p:stCondLst>
+                                    <p:cond delay="0"/>
+                                  </p:stCondLst>
+                                  <p:childTnLst>
+                                    <p:set>
+                                      <p:cBhvr>
+                                        <p:cTn id="16" dur="1" fill="hold">
+                                          <p:stCondLst>
+                                            <p:cond delay="0"/>
+                                          </p:stCondLst>
+                                        </p:cTn>
+                                        <p:tgtEl>
+                                          <p:spTgt spid="10"/>
+                                        </p:tgtEl>
+                                        <p:attrNameLst>
+                                          <p:attrName>style.visibility</p:attrName>
+                                        </p:attrNameLst>
+                                      </p:cBhvr>
+                                      <p:to>
+                                        <p:strVal val="visible"/>
+                                      </p:to>
+                                    </p:set>
+                                  </p:childTnLst>
+                                </p:cTn>
+                              </p:par>
+                              <p:par>
+                                <p:cTn id="17" presetID="1" presetClass="entr" presetSubtype="0" fill="hold" grpId="0" nodeType="withEffect">
+                                  <p:stCondLst>
+                                    <p:cond delay="0"/>
+                                  </p:stCondLst>
+                                  <p:childTnLst>
+                                    <p:set>
+                                      <p:cBhvr>
+                                        <p:cTn id="18" dur="1" fill="hold">
+                                          <p:stCondLst>
+                                            <p:cond delay="0"/>
+                                          </p:stCondLst>
+                                        </p:cTn>
+                                        <p:tgtEl>
+                                          <p:spTgt spid="7"/>
+                                        </p:tgtEl>
+                                        <p:attrNameLst>
+                                          <p:attrName>style.visibility</p:attrName>
+                                        </p:attrNameLst>
+                                      </p:cBhvr>
+                                      <p:to>
+                                        <p:strVal val="visible"/>
+                                      </p:to>
+                                    </p:set>
+                                  </p:childTnLst>
+                                </p:cTn>
+                              </p:par>
+                              <p:par>
+                                <p:cTn id="19" presetID="1" presetClass="entr" presetSubtype="0" fill="hold" nodeType="withEffect">
                                   <p:stCondLst>
                                     <p:cond delay="0"/>
                                   </p:stCondLst>
@@ -17405,11 +17890,7 @@
                                           </p:stCondLst>
                                         </p:cTn>
                                         <p:tgtEl>
-                                          <p:spTgt spid="3">
-                                            <p:txEl>
-                                              <p:pRg st="3" end="3"/>
-                                            </p:txEl>
-                                          </p:spTgt>
+                                          <p:spTgt spid="6"/>
                                         </p:tgtEl>
                                         <p:attrNameLst>
                                           <p:attrName>style.visibility</p:attrName>
@@ -17456,6 +17937,55 @@
                                         <p:tgtEl>
                                           <p:spTgt spid="3">
                                             <p:txEl>
+                                              <p:pRg st="3" end="3"/>
+                                            </p:txEl>
+                                          </p:spTgt>
+                                        </p:tgtEl>
+                                        <p:attrNameLst>
+                                          <p:attrName>style.visibility</p:attrName>
+                                        </p:attrNameLst>
+                                      </p:cBhvr>
+                                      <p:to>
+                                        <p:strVal val="visible"/>
+                                      </p:to>
+                                    </p:set>
+                                  </p:childTnLst>
+                                </p:cTn>
+                              </p:par>
+                            </p:childTnLst>
+                          </p:cTn>
+                        </p:par>
+                      </p:childTnLst>
+                    </p:cTn>
+                  </p:par>
+                  <p:par>
+                    <p:cTn id="25" fill="hold">
+                      <p:stCondLst>
+                        <p:cond delay="indefinite"/>
+                      </p:stCondLst>
+                      <p:childTnLst>
+                        <p:par>
+                          <p:cTn id="26" fill="hold">
+                            <p:stCondLst>
+                              <p:cond delay="0"/>
+                            </p:stCondLst>
+                            <p:childTnLst>
+                              <p:par>
+                                <p:cTn id="27" presetID="1" presetClass="entr" presetSubtype="0" fill="hold" nodeType="clickEffect">
+                                  <p:stCondLst>
+                                    <p:cond delay="0"/>
+                                  </p:stCondLst>
+                                  <p:childTnLst>
+                                    <p:set>
+                                      <p:cBhvr>
+                                        <p:cTn id="28" dur="1" fill="hold">
+                                          <p:stCondLst>
+                                            <p:cond delay="0"/>
+                                          </p:stCondLst>
+                                        </p:cTn>
+                                        <p:tgtEl>
+                                          <p:spTgt spid="3">
+                                            <p:txEl>
                                               <p:pRg st="4" end="4"/>
                                             </p:txEl>
                                           </p:spTgt>
@@ -17471,15 +18001,33 @@
                                   </p:childTnLst>
                                 </p:cTn>
                               </p:par>
+                            </p:childTnLst>
+                          </p:cTn>
+                        </p:par>
+                      </p:childTnLst>
+                    </p:cTn>
+                  </p:par>
+                  <p:par>
+                    <p:cTn id="29" fill="hold">
+                      <p:stCondLst>
+                        <p:cond delay="indefinite"/>
+                      </p:stCondLst>
+                      <p:childTnLst>
+                        <p:par>
+                          <p:cTn id="30" fill="hold">
+                            <p:stCondLst>
+                              <p:cond delay="0"/>
+                            </p:stCondLst>
+                            <p:childTnLst>
                               <p:par>
-                                <p:cTn id="25" presetID="1" presetClass="entr" presetSubtype="0" fill="hold" nodeType="withEffect">
+                                <p:cTn id="31" presetID="1" presetClass="entr" presetSubtype="0" fill="hold" nodeType="clickEffect">
                                   <p:stCondLst>
                                     <p:cond delay="0"/>
                                   </p:stCondLst>
                                   <p:childTnLst>
                                     <p:set>
                                       <p:cBhvr>
-                                        <p:cTn id="26" dur="1" fill="hold">
+                                        <p:cTn id="32" dur="1" fill="hold">
                                           <p:stCondLst>
                                             <p:cond delay="0"/>
                                           </p:stCondLst>
@@ -17490,33 +18038,6 @@
                                               <p:pRg st="5" end="5"/>
                                             </p:txEl>
                                           </p:spTgt>
-                                        </p:tgtEl>
-                                        <p:attrNameLst>
-                                          <p:attrName>style.visibility</p:attrName>
-                                        </p:attrNameLst>
-                                      </p:cBhvr>
-                                      <p:to>
-                                        <p:strVal val="visible"/>
-                                      </p:to>
-                                    </p:set>
-                                  </p:childTnLst>
-                                </p:cTn>
-                              </p:par>
-                              <p:par>
-                                <p:cTn id="27" presetID="1" presetClass="entr" presetSubtype="0" fill="hold" nodeType="withEffect">
-                                  <p:stCondLst>
-                                    <p:cond delay="0"/>
-                                  </p:stCondLst>
-                                  <p:childTnLst>
-                                    <p:set>
-                                      <p:cBhvr>
-                                        <p:cTn id="28" dur="1" fill="hold">
-                                          <p:stCondLst>
-                                            <p:cond delay="0"/>
-                                          </p:stCondLst>
-                                        </p:cTn>
-                                        <p:tgtEl>
-                                          <p:spTgt spid="6"/>
                                         </p:tgtEl>
                                         <p:attrNameLst>
                                           <p:attrName>style.visibility</p:attrName>
